--- a/Lectures/Game Engines 8.pptx
+++ b/Lectures/Game Engines 8.pptx
@@ -5,10 +5,10 @@
     <p:sldMasterId id="2147483648" r:id="rId1"/>
   </p:sldMasterIdLst>
   <p:notesMasterIdLst>
-    <p:notesMasterId r:id="rId28"/>
+    <p:notesMasterId r:id="rId34"/>
   </p:notesMasterIdLst>
   <p:handoutMasterIdLst>
-    <p:handoutMasterId r:id="rId29"/>
+    <p:handoutMasterId r:id="rId35"/>
   </p:handoutMasterIdLst>
   <p:sldIdLst>
     <p:sldId id="256" r:id="rId2"/>
@@ -24,19 +24,25 @@
     <p:sldId id="275" r:id="rId12"/>
     <p:sldId id="277" r:id="rId13"/>
     <p:sldId id="278" r:id="rId14"/>
-    <p:sldId id="269" r:id="rId15"/>
-    <p:sldId id="276" r:id="rId16"/>
-    <p:sldId id="279" r:id="rId17"/>
-    <p:sldId id="280" r:id="rId18"/>
-    <p:sldId id="281" r:id="rId19"/>
-    <p:sldId id="282" r:id="rId20"/>
-    <p:sldId id="283" r:id="rId21"/>
-    <p:sldId id="284" r:id="rId22"/>
-    <p:sldId id="260" r:id="rId23"/>
-    <p:sldId id="285" r:id="rId24"/>
-    <p:sldId id="262" r:id="rId25"/>
-    <p:sldId id="263" r:id="rId26"/>
-    <p:sldId id="264" r:id="rId27"/>
+    <p:sldId id="291" r:id="rId15"/>
+    <p:sldId id="269" r:id="rId16"/>
+    <p:sldId id="276" r:id="rId17"/>
+    <p:sldId id="279" r:id="rId18"/>
+    <p:sldId id="280" r:id="rId19"/>
+    <p:sldId id="281" r:id="rId20"/>
+    <p:sldId id="282" r:id="rId21"/>
+    <p:sldId id="283" r:id="rId22"/>
+    <p:sldId id="284" r:id="rId23"/>
+    <p:sldId id="260" r:id="rId24"/>
+    <p:sldId id="285" r:id="rId25"/>
+    <p:sldId id="286" r:id="rId26"/>
+    <p:sldId id="262" r:id="rId27"/>
+    <p:sldId id="287" r:id="rId28"/>
+    <p:sldId id="263" r:id="rId29"/>
+    <p:sldId id="288" r:id="rId30"/>
+    <p:sldId id="289" r:id="rId31"/>
+    <p:sldId id="264" r:id="rId32"/>
+    <p:sldId id="290" r:id="rId33"/>
   </p:sldIdLst>
   <p:sldSz cx="9144000" cy="6858000" type="screen4x3"/>
   <p:notesSz cx="6797675" cy="9874250"/>
@@ -220,7 +226,7 @@
           <a:p>
             <a:fld id="{D3D2ECF1-FB08-48FC-B45D-807F443755F4}" type="datetimeFigureOut">
               <a:rPr lang="en-IE" smtClean="0"/>
-              <a:t>24/11/2013</a:t>
+              <a:t>25/11/2013</a:t>
             </a:fld>
             <a:endParaRPr lang="en-IE"/>
           </a:p>
@@ -385,7 +391,7 @@
           <a:p>
             <a:fld id="{741081DE-5AEF-4FAD-BA62-F267E0B801CD}" type="datetimeFigureOut">
               <a:rPr lang="en-IE" smtClean="0"/>
-              <a:t>24/11/2013</a:t>
+              <a:t>25/11/2013</a:t>
             </a:fld>
             <a:endParaRPr lang="en-IE"/>
           </a:p>
@@ -1095,7 +1101,7 @@
                 <a:latin typeface="Times New Roman" pitchFamily="18" charset="0"/>
               </a:rPr>
               <a:pPr algn="r" eaLnBrk="1" hangingPunct="1"/>
-              <a:t>22</a:t>
+              <a:t>23</a:t>
             </a:fld>
             <a:endParaRPr lang="en-US" altLang="en-US" sz="1200" b="0" smtClean="0">
               <a:latin typeface="Times New Roman" pitchFamily="18" charset="0"/>
@@ -1292,7 +1298,7 @@
           <a:p>
             <a:fld id="{3A1FCA75-51D1-4143-BA71-9D0DBE509351}" type="datetimeFigureOut">
               <a:rPr lang="en-IE" smtClean="0"/>
-              <a:t>24/11/2013</a:t>
+              <a:t>25/11/2013</a:t>
             </a:fld>
             <a:endParaRPr lang="en-IE"/>
           </a:p>
@@ -1462,7 +1468,7 @@
           <a:p>
             <a:fld id="{3A1FCA75-51D1-4143-BA71-9D0DBE509351}" type="datetimeFigureOut">
               <a:rPr lang="en-IE" smtClean="0"/>
-              <a:t>24/11/2013</a:t>
+              <a:t>25/11/2013</a:t>
             </a:fld>
             <a:endParaRPr lang="en-IE"/>
           </a:p>
@@ -1642,7 +1648,7 @@
           <a:p>
             <a:fld id="{3A1FCA75-51D1-4143-BA71-9D0DBE509351}" type="datetimeFigureOut">
               <a:rPr lang="en-IE" smtClean="0"/>
-              <a:t>24/11/2013</a:t>
+              <a:t>25/11/2013</a:t>
             </a:fld>
             <a:endParaRPr lang="en-IE"/>
           </a:p>
@@ -1812,7 +1818,7 @@
           <a:p>
             <a:fld id="{3A1FCA75-51D1-4143-BA71-9D0DBE509351}" type="datetimeFigureOut">
               <a:rPr lang="en-IE" smtClean="0"/>
-              <a:t>24/11/2013</a:t>
+              <a:t>25/11/2013</a:t>
             </a:fld>
             <a:endParaRPr lang="en-IE"/>
           </a:p>
@@ -2099,7 +2105,7 @@
           <a:p>
             <a:fld id="{3A1FCA75-51D1-4143-BA71-9D0DBE509351}" type="datetimeFigureOut">
               <a:rPr lang="en-IE" smtClean="0"/>
-              <a:t>24/11/2013</a:t>
+              <a:t>25/11/2013</a:t>
             </a:fld>
             <a:endParaRPr lang="en-IE"/>
           </a:p>
@@ -2387,7 +2393,7 @@
           <a:p>
             <a:fld id="{3A1FCA75-51D1-4143-BA71-9D0DBE509351}" type="datetimeFigureOut">
               <a:rPr lang="en-IE" smtClean="0"/>
-              <a:t>24/11/2013</a:t>
+              <a:t>25/11/2013</a:t>
             </a:fld>
             <a:endParaRPr lang="en-IE"/>
           </a:p>
@@ -2809,7 +2815,7 @@
           <a:p>
             <a:fld id="{3A1FCA75-51D1-4143-BA71-9D0DBE509351}" type="datetimeFigureOut">
               <a:rPr lang="en-IE" smtClean="0"/>
-              <a:t>24/11/2013</a:t>
+              <a:t>25/11/2013</a:t>
             </a:fld>
             <a:endParaRPr lang="en-IE"/>
           </a:p>
@@ -2927,7 +2933,7 @@
           <a:p>
             <a:fld id="{3A1FCA75-51D1-4143-BA71-9D0DBE509351}" type="datetimeFigureOut">
               <a:rPr lang="en-IE" smtClean="0"/>
-              <a:t>24/11/2013</a:t>
+              <a:t>25/11/2013</a:t>
             </a:fld>
             <a:endParaRPr lang="en-IE"/>
           </a:p>
@@ -3022,7 +3028,7 @@
           <a:p>
             <a:fld id="{3A1FCA75-51D1-4143-BA71-9D0DBE509351}" type="datetimeFigureOut">
               <a:rPr lang="en-IE" smtClean="0"/>
-              <a:t>24/11/2013</a:t>
+              <a:t>25/11/2013</a:t>
             </a:fld>
             <a:endParaRPr lang="en-IE"/>
           </a:p>
@@ -3299,7 +3305,7 @@
           <a:p>
             <a:fld id="{3A1FCA75-51D1-4143-BA71-9D0DBE509351}" type="datetimeFigureOut">
               <a:rPr lang="en-IE" smtClean="0"/>
-              <a:t>24/11/2013</a:t>
+              <a:t>25/11/2013</a:t>
             </a:fld>
             <a:endParaRPr lang="en-IE"/>
           </a:p>
@@ -3552,7 +3558,7 @@
           <a:p>
             <a:fld id="{3A1FCA75-51D1-4143-BA71-9D0DBE509351}" type="datetimeFigureOut">
               <a:rPr lang="en-IE" smtClean="0"/>
-              <a:t>24/11/2013</a:t>
+              <a:t>25/11/2013</a:t>
             </a:fld>
             <a:endParaRPr lang="en-IE"/>
           </a:p>
@@ -3765,7 +3771,7 @@
           <a:p>
             <a:fld id="{3A1FCA75-51D1-4143-BA71-9D0DBE509351}" type="datetimeFigureOut">
               <a:rPr lang="en-IE" smtClean="0"/>
-              <a:t>24/11/2013</a:t>
+              <a:t>25/11/2013</a:t>
             </a:fld>
             <a:endParaRPr lang="en-IE"/>
           </a:p>
@@ -7456,7 +7462,9 @@
         </p:nvSpPr>
         <p:spPr/>
         <p:txBody>
-          <a:bodyPr/>
+          <a:bodyPr>
+            <a:normAutofit fontScale="85000" lnSpcReduction="20000"/>
+          </a:bodyPr>
           <a:lstStyle/>
           <a:p>
             <a:r>
@@ -7473,6 +7481,14 @@
             <a:endParaRPr lang="en-GB" dirty="0" smtClean="0"/>
           </a:p>
           <a:p>
+            <a:pPr lvl="2"/>
+            <a:r>
+              <a:rPr lang="en-GB" dirty="0" smtClean="0"/>
+              <a:t>Half extents</a:t>
+            </a:r>
+            <a:endParaRPr lang="en-GB" dirty="0" smtClean="0"/>
+          </a:p>
+          <a:p>
             <a:pPr lvl="1"/>
             <a:r>
               <a:rPr lang="en-GB" dirty="0" err="1" smtClean="0"/>
@@ -7481,6 +7497,14 @@
             <a:endParaRPr lang="en-GB" dirty="0" smtClean="0"/>
           </a:p>
           <a:p>
+            <a:pPr lvl="2"/>
+            <a:r>
+              <a:rPr lang="en-GB" dirty="0" smtClean="0"/>
+              <a:t>Around the Y axis</a:t>
+            </a:r>
+            <a:endParaRPr lang="en-GB" dirty="0" smtClean="0"/>
+          </a:p>
+          <a:p>
             <a:pPr lvl="1"/>
             <a:r>
               <a:rPr lang="en-GB" dirty="0" err="1" smtClean="0"/>
@@ -7489,6 +7513,14 @@
             <a:endParaRPr lang="en-GB" dirty="0" smtClean="0"/>
           </a:p>
           <a:p>
+            <a:pPr lvl="2"/>
+            <a:r>
+              <a:rPr lang="en-GB" dirty="0" smtClean="0"/>
+              <a:t>Around the Y axis</a:t>
+            </a:r>
+            <a:endParaRPr lang="en-GB" dirty="0" smtClean="0"/>
+          </a:p>
+          <a:p>
             <a:pPr lvl="1"/>
             <a:r>
               <a:rPr lang="en-GB" dirty="0" err="1" smtClean="0"/>
@@ -7497,10 +7529,34 @@
             <a:endParaRPr lang="en-GB" dirty="0" smtClean="0"/>
           </a:p>
           <a:p>
+            <a:pPr lvl="2"/>
+            <a:r>
+              <a:rPr lang="en-GB" dirty="0" smtClean="0"/>
+              <a:t>Around the Y axis</a:t>
+            </a:r>
+            <a:endParaRPr lang="en-GB" dirty="0" smtClean="0"/>
+          </a:p>
+          <a:p>
             <a:pPr lvl="1"/>
             <a:r>
               <a:rPr lang="en-GB" dirty="0" err="1" smtClean="0"/>
               <a:t>btPlaneShape</a:t>
+            </a:r>
+            <a:endParaRPr lang="en-GB" dirty="0" smtClean="0"/>
+          </a:p>
+          <a:p>
+            <a:pPr lvl="1"/>
+            <a:r>
+              <a:rPr lang="en-GB" dirty="0" err="1" smtClean="0"/>
+              <a:t>htHeightfieldTarrainShape</a:t>
+            </a:r>
+            <a:endParaRPr lang="en-GB" dirty="0" smtClean="0"/>
+          </a:p>
+          <a:p>
+            <a:pPr lvl="2"/>
+            <a:r>
+              <a:rPr lang="en-GB" dirty="0" smtClean="0"/>
+              <a:t>For a height map</a:t>
             </a:r>
             <a:endParaRPr lang="en-GB" dirty="0" smtClean="0"/>
           </a:p>
@@ -7571,11 +7627,7 @@
           <a:bodyPr/>
           <a:lstStyle/>
           <a:p>
-            <a:r>
-              <a:rPr lang="en-GB" dirty="0" smtClean="0"/>
-              <a:t>Joints/constraints</a:t>
-            </a:r>
-            <a:endParaRPr lang="en-IE" dirty="0"/>
+            <a:endParaRPr lang="en-IE"/>
           </a:p>
         </p:txBody>
       </p:sp>
@@ -7594,6 +7646,132 @@
           <a:bodyPr/>
           <a:lstStyle/>
           <a:p>
+            <a:endParaRPr lang="en-IE"/>
+          </a:p>
+        </p:txBody>
+      </p:sp>
+      <p:pic>
+        <p:nvPicPr>
+          <p:cNvPr id="6146" name="Picture 2"/>
+          <p:cNvPicPr>
+            <a:picLocks noChangeAspect="1" noChangeArrowheads="1"/>
+          </p:cNvPicPr>
+          <p:nvPr/>
+        </p:nvPicPr>
+        <p:blipFill>
+          <a:blip r:embed="rId2">
+            <a:extLst>
+              <a:ext uri="{28A0092B-C50C-407E-A947-70E740481C1C}">
+                <a14:useLocalDpi xmlns:a14="http://schemas.microsoft.com/office/drawing/2010/main" val="0"/>
+              </a:ext>
+            </a:extLst>
+          </a:blip>
+          <a:srcRect/>
+          <a:stretch>
+            <a:fillRect/>
+          </a:stretch>
+        </p:blipFill>
+        <p:spPr bwMode="auto">
+          <a:xfrm>
+            <a:off x="138113" y="604838"/>
+            <a:ext cx="8867775" cy="5648325"/>
+          </a:xfrm>
+          <a:prstGeom prst="rect">
+            <a:avLst/>
+          </a:prstGeom>
+          <a:noFill/>
+          <a:ln>
+            <a:noFill/>
+          </a:ln>
+          <a:extLst>
+            <a:ext uri="{909E8E84-426E-40DD-AFC4-6F175D3DCCD1}">
+              <a14:hiddenFill xmlns:a14="http://schemas.microsoft.com/office/drawing/2010/main">
+                <a:solidFill>
+                  <a:schemeClr val="accent1"/>
+                </a:solidFill>
+              </a14:hiddenFill>
+            </a:ext>
+            <a:ext uri="{91240B29-F687-4F45-9708-019B960494DF}">
+              <a14:hiddenLine xmlns:a14="http://schemas.microsoft.com/office/drawing/2010/main" w="9525">
+                <a:solidFill>
+                  <a:schemeClr val="tx1"/>
+                </a:solidFill>
+                <a:miter lim="800000"/>
+                <a:headEnd/>
+                <a:tailEnd/>
+              </a14:hiddenLine>
+            </a:ext>
+          </a:extLst>
+        </p:spPr>
+      </p:pic>
+    </p:spTree>
+    <p:extLst>
+      <p:ext uri="{BB962C8B-B14F-4D97-AF65-F5344CB8AC3E}">
+        <p14:creationId xmlns:p14="http://schemas.microsoft.com/office/powerpoint/2010/main" val="829389539"/>
+      </p:ext>
+    </p:extLst>
+  </p:cSld>
+  <p:clrMapOvr>
+    <a:masterClrMapping/>
+  </p:clrMapOvr>
+</p:sld>
+</file>
+
+<file path=ppt/slides/slide15.xml><?xml version="1.0" encoding="utf-8"?>
+<p:sld xmlns:a="http://schemas.openxmlformats.org/drawingml/2006/main" xmlns:r="http://schemas.openxmlformats.org/officeDocument/2006/relationships" xmlns:p="http://schemas.openxmlformats.org/presentationml/2006/main">
+  <p:cSld>
+    <p:spTree>
+      <p:nvGrpSpPr>
+        <p:cNvPr id="1" name=""/>
+        <p:cNvGrpSpPr/>
+        <p:nvPr/>
+      </p:nvGrpSpPr>
+      <p:grpSpPr>
+        <a:xfrm>
+          <a:off x="0" y="0"/>
+          <a:ext cx="0" cy="0"/>
+          <a:chOff x="0" y="0"/>
+          <a:chExt cx="0" cy="0"/>
+        </a:xfrm>
+      </p:grpSpPr>
+      <p:sp>
+        <p:nvSpPr>
+          <p:cNvPr id="2" name="Title 1"/>
+          <p:cNvSpPr>
+            <a:spLocks noGrp="1"/>
+          </p:cNvSpPr>
+          <p:nvPr>
+            <p:ph type="title"/>
+          </p:nvPr>
+        </p:nvSpPr>
+        <p:spPr/>
+        <p:txBody>
+          <a:bodyPr/>
+          <a:lstStyle/>
+          <a:p>
+            <a:r>
+              <a:rPr lang="en-GB" dirty="0" smtClean="0"/>
+              <a:t>Joints/constraints</a:t>
+            </a:r>
+            <a:endParaRPr lang="en-IE" dirty="0"/>
+          </a:p>
+        </p:txBody>
+      </p:sp>
+      <p:sp>
+        <p:nvSpPr>
+          <p:cNvPr id="3" name="Content Placeholder 2"/>
+          <p:cNvSpPr>
+            <a:spLocks noGrp="1"/>
+          </p:cNvSpPr>
+          <p:nvPr>
+            <p:ph idx="1"/>
+          </p:nvPr>
+        </p:nvSpPr>
+        <p:spPr/>
+        <p:txBody>
+          <a:bodyPr/>
+          <a:lstStyle/>
+          <a:p>
             <a:r>
               <a:rPr lang="en-GB" dirty="0" smtClean="0"/>
               <a:t>Limit the movement of rigid bodies relative to other rigid bodies or the world</a:t>
@@ -7655,7 +7833,7 @@
 </p:sld>
 </file>
 
-<file path=ppt/slides/slide15.xml><?xml version="1.0" encoding="utf-8"?>
+<file path=ppt/slides/slide16.xml><?xml version="1.0" encoding="utf-8"?>
 <p:sld xmlns:a="http://schemas.openxmlformats.org/drawingml/2006/main" xmlns:r="http://schemas.openxmlformats.org/officeDocument/2006/relationships" xmlns:p="http://schemas.openxmlformats.org/presentationml/2006/main">
   <p:cSld>
     <p:spTree>
@@ -8062,7 +8240,7 @@
 </p:sld>
 </file>
 
-<file path=ppt/slides/slide16.xml><?xml version="1.0" encoding="utf-8"?>
+<file path=ppt/slides/slide17.xml><?xml version="1.0" encoding="utf-8"?>
 <p:sld xmlns:a="http://schemas.openxmlformats.org/drawingml/2006/main" xmlns:r="http://schemas.openxmlformats.org/officeDocument/2006/relationships" xmlns:p="http://schemas.openxmlformats.org/presentationml/2006/main">
   <p:cSld>
     <p:spTree>
@@ -8413,7 +8591,7 @@
 </p:sld>
 </file>
 
-<file path=ppt/slides/slide17.xml><?xml version="1.0" encoding="utf-8"?>
+<file path=ppt/slides/slide18.xml><?xml version="1.0" encoding="utf-8"?>
 <p:sld xmlns:a="http://schemas.openxmlformats.org/drawingml/2006/main" xmlns:r="http://schemas.openxmlformats.org/officeDocument/2006/relationships" xmlns:p="http://schemas.openxmlformats.org/presentationml/2006/main">
   <p:cSld>
     <p:spTree>
@@ -8520,7 +8698,7 @@
 </p:sld>
 </file>
 
-<file path=ppt/slides/slide18.xml><?xml version="1.0" encoding="utf-8"?>
+<file path=ppt/slides/slide19.xml><?xml version="1.0" encoding="utf-8"?>
 <p:sld xmlns:a="http://schemas.openxmlformats.org/drawingml/2006/main" xmlns:r="http://schemas.openxmlformats.org/officeDocument/2006/relationships" xmlns:p="http://schemas.openxmlformats.org/presentationml/2006/main">
   <p:cSld>
     <p:spTree>
@@ -9288,7 +9466,122 @@
 </p:sld>
 </file>
 
-<file path=ppt/slides/slide19.xml><?xml version="1.0" encoding="utf-8"?>
+<file path=ppt/slides/slide2.xml><?xml version="1.0" encoding="utf-8"?>
+<p:sld xmlns:a="http://schemas.openxmlformats.org/drawingml/2006/main" xmlns:r="http://schemas.openxmlformats.org/officeDocument/2006/relationships" xmlns:p="http://schemas.openxmlformats.org/presentationml/2006/main">
+  <p:cSld>
+    <p:spTree>
+      <p:nvGrpSpPr>
+        <p:cNvPr id="1" name=""/>
+        <p:cNvGrpSpPr/>
+        <p:nvPr/>
+      </p:nvGrpSpPr>
+      <p:grpSpPr>
+        <a:xfrm>
+          <a:off x="0" y="0"/>
+          <a:ext cx="0" cy="0"/>
+          <a:chOff x="0" y="0"/>
+          <a:chExt cx="0" cy="0"/>
+        </a:xfrm>
+      </p:grpSpPr>
+      <p:sp>
+        <p:nvSpPr>
+          <p:cNvPr id="2" name="Title 1"/>
+          <p:cNvSpPr>
+            <a:spLocks noGrp="1"/>
+          </p:cNvSpPr>
+          <p:nvPr>
+            <p:ph type="title"/>
+          </p:nvPr>
+        </p:nvSpPr>
+        <p:spPr/>
+        <p:txBody>
+          <a:bodyPr>
+            <a:normAutofit fontScale="90000"/>
+          </a:bodyPr>
+          <a:lstStyle/>
+          <a:p>
+            <a:r>
+              <a:rPr lang="en-GB" dirty="0" smtClean="0"/>
+              <a:t>A brilliant book! (does not cover physics though </a:t>
+            </a:r>
+            <a:r>
+              <a:rPr lang="en-GB" dirty="0" smtClean="0">
+                <a:sym typeface="Wingdings" panose="05000000000000000000" pitchFamily="2" charset="2"/>
+              </a:rPr>
+              <a:t>)</a:t>
+            </a:r>
+            <a:endParaRPr lang="en-IE" dirty="0"/>
+          </a:p>
+        </p:txBody>
+      </p:sp>
+      <p:pic>
+        <p:nvPicPr>
+          <p:cNvPr id="3074" name="Picture 2"/>
+          <p:cNvPicPr>
+            <a:picLocks noChangeAspect="1" noChangeArrowheads="1"/>
+          </p:cNvPicPr>
+          <p:nvPr/>
+        </p:nvPicPr>
+        <p:blipFill>
+          <a:blip r:embed="rId2">
+            <a:extLst>
+              <a:ext uri="{28A0092B-C50C-407E-A947-70E740481C1C}">
+                <a14:useLocalDpi xmlns:a14="http://schemas.microsoft.com/office/drawing/2010/main" val="0"/>
+              </a:ext>
+            </a:extLst>
+          </a:blip>
+          <a:srcRect/>
+          <a:stretch>
+            <a:fillRect/>
+          </a:stretch>
+        </p:blipFill>
+        <p:spPr bwMode="auto">
+          <a:xfrm>
+            <a:off x="2771800" y="1844824"/>
+            <a:ext cx="3168352" cy="3898234"/>
+          </a:xfrm>
+          <a:prstGeom prst="rect">
+            <a:avLst/>
+          </a:prstGeom>
+          <a:noFill/>
+          <a:ln>
+            <a:noFill/>
+          </a:ln>
+          <a:extLst>
+            <a:ext uri="{909E8E84-426E-40DD-AFC4-6F175D3DCCD1}">
+              <a14:hiddenFill xmlns:a14="http://schemas.microsoft.com/office/drawing/2010/main">
+                <a:solidFill>
+                  <a:schemeClr val="accent1"/>
+                </a:solidFill>
+              </a14:hiddenFill>
+            </a:ext>
+            <a:ext uri="{91240B29-F687-4F45-9708-019B960494DF}">
+              <a14:hiddenLine xmlns:a14="http://schemas.microsoft.com/office/drawing/2010/main" w="9525">
+                <a:solidFill>
+                  <a:schemeClr val="tx1"/>
+                </a:solidFill>
+                <a:miter lim="800000"/>
+                <a:headEnd/>
+                <a:tailEnd/>
+              </a14:hiddenLine>
+            </a:ext>
+          </a:extLst>
+        </p:spPr>
+      </p:pic>
+    </p:spTree>
+    <p:extLst>
+      <p:ext uri="{BB962C8B-B14F-4D97-AF65-F5344CB8AC3E}">
+        <p14:creationId xmlns:p14="http://schemas.microsoft.com/office/powerpoint/2010/main" val="2588548131"/>
+      </p:ext>
+    </p:extLst>
+  </p:cSld>
+  <p:clrMapOvr>
+    <a:masterClrMapping/>
+  </p:clrMapOvr>
+</p:sld>
+</file>
+
+<file path=ppt/slides/slide20.xml><?xml version="1.0" encoding="utf-8"?>
 <p:sld xmlns:a="http://schemas.openxmlformats.org/drawingml/2006/main" xmlns:r="http://schemas.openxmlformats.org/officeDocument/2006/relationships" xmlns:p="http://schemas.openxmlformats.org/presentationml/2006/main">
   <p:cSld>
     <p:spTree>
@@ -9453,126 +9746,7 @@
 </p:sld>
 </file>
 
-<file path=ppt/slides/slide2.xml><?xml version="1.0" encoding="utf-8"?>
-<p:sld xmlns:a="http://schemas.openxmlformats.org/drawingml/2006/main" xmlns:r="http://schemas.openxmlformats.org/officeDocument/2006/relationships" xmlns:p="http://schemas.openxmlformats.org/presentationml/2006/main">
-  <p:cSld>
-    <p:spTree>
-      <p:nvGrpSpPr>
-        <p:cNvPr id="1" name=""/>
-        <p:cNvGrpSpPr/>
-        <p:nvPr/>
-      </p:nvGrpSpPr>
-      <p:grpSpPr>
-        <a:xfrm>
-          <a:off x="0" y="0"/>
-          <a:ext cx="0" cy="0"/>
-          <a:chOff x="0" y="0"/>
-          <a:chExt cx="0" cy="0"/>
-        </a:xfrm>
-      </p:grpSpPr>
-      <p:sp>
-        <p:nvSpPr>
-          <p:cNvPr id="2" name="Title 1"/>
-          <p:cNvSpPr>
-            <a:spLocks noGrp="1"/>
-          </p:cNvSpPr>
-          <p:nvPr>
-            <p:ph type="title"/>
-          </p:nvPr>
-        </p:nvSpPr>
-        <p:spPr/>
-        <p:txBody>
-          <a:bodyPr>
-            <a:normAutofit fontScale="90000"/>
-          </a:bodyPr>
-          <a:lstStyle/>
-          <a:p>
-            <a:r>
-              <a:rPr lang="en-GB" dirty="0" smtClean="0"/>
-              <a:t>A brilliant </a:t>
-            </a:r>
-            <a:r>
-              <a:rPr lang="en-GB" dirty="0" smtClean="0"/>
-              <a:t>book! (does not cover physics though </a:t>
-            </a:r>
-            <a:r>
-              <a:rPr lang="en-GB" dirty="0" smtClean="0">
-                <a:sym typeface="Wingdings" panose="05000000000000000000" pitchFamily="2" charset="2"/>
-              </a:rPr>
-              <a:t>)</a:t>
-            </a:r>
-            <a:endParaRPr lang="en-IE" dirty="0"/>
-          </a:p>
-        </p:txBody>
-      </p:sp>
-      <p:pic>
-        <p:nvPicPr>
-          <p:cNvPr id="3074" name="Picture 2"/>
-          <p:cNvPicPr>
-            <a:picLocks noChangeAspect="1" noChangeArrowheads="1"/>
-          </p:cNvPicPr>
-          <p:nvPr/>
-        </p:nvPicPr>
-        <p:blipFill>
-          <a:blip r:embed="rId2">
-            <a:extLst>
-              <a:ext uri="{28A0092B-C50C-407E-A947-70E740481C1C}">
-                <a14:useLocalDpi xmlns:a14="http://schemas.microsoft.com/office/drawing/2010/main" val="0"/>
-              </a:ext>
-            </a:extLst>
-          </a:blip>
-          <a:srcRect/>
-          <a:stretch>
-            <a:fillRect/>
-          </a:stretch>
-        </p:blipFill>
-        <p:spPr bwMode="auto">
-          <a:xfrm>
-            <a:off x="2771800" y="1844824"/>
-            <a:ext cx="3168352" cy="3898234"/>
-          </a:xfrm>
-          <a:prstGeom prst="rect">
-            <a:avLst/>
-          </a:prstGeom>
-          <a:noFill/>
-          <a:ln>
-            <a:noFill/>
-          </a:ln>
-          <a:extLst>
-            <a:ext uri="{909E8E84-426E-40DD-AFC4-6F175D3DCCD1}">
-              <a14:hiddenFill xmlns:a14="http://schemas.microsoft.com/office/drawing/2010/main">
-                <a:solidFill>
-                  <a:schemeClr val="accent1"/>
-                </a:solidFill>
-              </a14:hiddenFill>
-            </a:ext>
-            <a:ext uri="{91240B29-F687-4F45-9708-019B960494DF}">
-              <a14:hiddenLine xmlns:a14="http://schemas.microsoft.com/office/drawing/2010/main" w="9525">
-                <a:solidFill>
-                  <a:schemeClr val="tx1"/>
-                </a:solidFill>
-                <a:miter lim="800000"/>
-                <a:headEnd/>
-                <a:tailEnd/>
-              </a14:hiddenLine>
-            </a:ext>
-          </a:extLst>
-        </p:spPr>
-      </p:pic>
-    </p:spTree>
-    <p:extLst>
-      <p:ext uri="{BB962C8B-B14F-4D97-AF65-F5344CB8AC3E}">
-        <p14:creationId xmlns:p14="http://schemas.microsoft.com/office/powerpoint/2010/main" val="2588548131"/>
-      </p:ext>
-    </p:extLst>
-  </p:cSld>
-  <p:clrMapOvr>
-    <a:masterClrMapping/>
-  </p:clrMapOvr>
-</p:sld>
-</file>
-
-<file path=ppt/slides/slide20.xml><?xml version="1.0" encoding="utf-8"?>
+<file path=ppt/slides/slide21.xml><?xml version="1.0" encoding="utf-8"?>
 <p:sld xmlns:a="http://schemas.openxmlformats.org/drawingml/2006/main" xmlns:r="http://schemas.openxmlformats.org/officeDocument/2006/relationships" xmlns:p="http://schemas.openxmlformats.org/presentationml/2006/main">
   <p:cSld>
     <p:spTree>
@@ -9742,7 +9916,7 @@
 </p:sld>
 </file>
 
-<file path=ppt/slides/slide21.xml><?xml version="1.0" encoding="utf-8"?>
+<file path=ppt/slides/slide22.xml><?xml version="1.0" encoding="utf-8"?>
 <p:sld xmlns:a="http://schemas.openxmlformats.org/drawingml/2006/main" xmlns:r="http://schemas.openxmlformats.org/officeDocument/2006/relationships" xmlns:p="http://schemas.openxmlformats.org/presentationml/2006/main">
   <p:cSld>
     <p:spTree>
@@ -10883,7 +11057,7 @@
 </p:sld>
 </file>
 
-<file path=ppt/slides/slide22.xml><?xml version="1.0" encoding="utf-8"?>
+<file path=ppt/slides/slide23.xml><?xml version="1.0" encoding="utf-8"?>
 <p:sld xmlns:a="http://schemas.openxmlformats.org/drawingml/2006/main" xmlns:r="http://schemas.openxmlformats.org/officeDocument/2006/relationships" xmlns:p="http://schemas.openxmlformats.org/presentationml/2006/main">
   <p:cSld>
     <p:spTree>
@@ -10953,11 +11127,7 @@
           <a:p>
             <a:r>
               <a:rPr lang="en-IE" altLang="en-US" dirty="0" smtClean="0"/>
-              <a:t>Each integration step advances the current time by a given step size, adjusting the state of all the rigid bodies for the new time </a:t>
-            </a:r>
-            <a:r>
-              <a:rPr lang="en-IE" altLang="en-US" dirty="0" smtClean="0"/>
-              <a:t>value</a:t>
+              <a:t>Each integration step advances the current time by a given step size, adjusting the state of all the rigid bodies for the new time value</a:t>
             </a:r>
           </a:p>
           <a:p>
@@ -11380,118 +11550,6 @@
 </p:sld>
 </file>
 
-<file path=ppt/slides/slide23.xml><?xml version="1.0" encoding="utf-8"?>
-<p:sld xmlns:a="http://schemas.openxmlformats.org/drawingml/2006/main" xmlns:r="http://schemas.openxmlformats.org/officeDocument/2006/relationships" xmlns:p="http://schemas.openxmlformats.org/presentationml/2006/main">
-  <p:cSld>
-    <p:spTree>
-      <p:nvGrpSpPr>
-        <p:cNvPr id="1" name=""/>
-        <p:cNvGrpSpPr/>
-        <p:nvPr/>
-      </p:nvGrpSpPr>
-      <p:grpSpPr>
-        <a:xfrm>
-          <a:off x="0" y="0"/>
-          <a:ext cx="0" cy="0"/>
-          <a:chOff x="0" y="0"/>
-          <a:chExt cx="0" cy="0"/>
-        </a:xfrm>
-      </p:grpSpPr>
-      <p:sp>
-        <p:nvSpPr>
-          <p:cNvPr id="2" name="Title 1"/>
-          <p:cNvSpPr>
-            <a:spLocks noGrp="1"/>
-          </p:cNvSpPr>
-          <p:nvPr>
-            <p:ph type="title"/>
-          </p:nvPr>
-        </p:nvSpPr>
-        <p:spPr/>
-        <p:txBody>
-          <a:bodyPr/>
-          <a:lstStyle/>
-          <a:p>
-            <a:r>
-              <a:rPr lang="en-GB" dirty="0" err="1" smtClean="0"/>
-              <a:t>stepSimulation</a:t>
-            </a:r>
-            <a:endParaRPr lang="en-IE" dirty="0"/>
-          </a:p>
-        </p:txBody>
-      </p:sp>
-      <p:sp>
-        <p:nvSpPr>
-          <p:cNvPr id="3" name="Content Placeholder 2"/>
-          <p:cNvSpPr>
-            <a:spLocks noGrp="1"/>
-          </p:cNvSpPr>
-          <p:nvPr>
-            <p:ph idx="1"/>
-          </p:nvPr>
-        </p:nvSpPr>
-        <p:spPr/>
-        <p:txBody>
-          <a:bodyPr/>
-          <a:lstStyle/>
-          <a:p>
-            <a:r>
-              <a:rPr lang="en-GB" dirty="0" smtClean="0"/>
-              <a:t>Will try to perform as many steps as necessary in the </a:t>
-            </a:r>
-            <a:r>
-              <a:rPr lang="en-GB" dirty="0" err="1" smtClean="0"/>
-              <a:t>timeDelta</a:t>
-            </a:r>
-            <a:endParaRPr lang="en-GB" dirty="0" smtClean="0"/>
-          </a:p>
-          <a:p>
-            <a:r>
-              <a:rPr lang="en-GB" dirty="0" smtClean="0"/>
-              <a:t>Example:</a:t>
-            </a:r>
-          </a:p>
-          <a:p>
-            <a:pPr lvl="1"/>
-            <a:r>
-              <a:rPr lang="en-GB" dirty="0" smtClean="0"/>
-              <a:t>If </a:t>
-            </a:r>
-            <a:r>
-              <a:rPr lang="en-GB" dirty="0" err="1" smtClean="0"/>
-              <a:t>timeDelta</a:t>
-            </a:r>
-            <a:r>
-              <a:rPr lang="en-GB" dirty="0" smtClean="0"/>
-              <a:t> was 0.5 then 500 steps with a fixed time delta of 0.01</a:t>
-            </a:r>
-          </a:p>
-          <a:p>
-            <a:r>
-              <a:rPr lang="en-GB" dirty="0" smtClean="0"/>
-              <a:t>If it cant keep up then the simulation will appear to slow down as not enough </a:t>
-            </a:r>
-            <a:r>
-              <a:rPr lang="en-GB" smtClean="0"/>
-              <a:t>steps will be taken</a:t>
-            </a:r>
-            <a:endParaRPr lang="en-IE" dirty="0"/>
-          </a:p>
-        </p:txBody>
-      </p:sp>
-    </p:spTree>
-    <p:extLst>
-      <p:ext uri="{BB962C8B-B14F-4D97-AF65-F5344CB8AC3E}">
-        <p14:creationId xmlns:p14="http://schemas.microsoft.com/office/powerpoint/2010/main" val="1927519534"/>
-      </p:ext>
-    </p:extLst>
-  </p:cSld>
-  <p:clrMapOvr>
-    <a:masterClrMapping/>
-  </p:clrMapOvr>
-</p:sld>
-</file>
-
 <file path=ppt/slides/slide24.xml><?xml version="1.0" encoding="utf-8"?>
 <p:sld xmlns:a="http://schemas.openxmlformats.org/drawingml/2006/main" xmlns:r="http://schemas.openxmlformats.org/officeDocument/2006/relationships" xmlns:p="http://schemas.openxmlformats.org/presentationml/2006/main">
   <p:cSld>
@@ -11525,8 +11583,8 @@
           <a:lstStyle/>
           <a:p>
             <a:r>
-              <a:rPr lang="en-GB" dirty="0" smtClean="0"/>
-              <a:t>Bullet in BGE</a:t>
+              <a:rPr lang="en-GB" dirty="0" err="1" smtClean="0"/>
+              <a:t>stepSimulation</a:t>
             </a:r>
             <a:endParaRPr lang="en-IE" dirty="0"/>
           </a:p>
@@ -11542,162 +11600,75 @@
             <p:ph idx="1"/>
           </p:nvPr>
         </p:nvSpPr>
-        <p:spPr>
-          <a:xfrm>
-            <a:off x="457200" y="1600200"/>
-            <a:ext cx="8229600" cy="4525963"/>
-          </a:xfrm>
-        </p:spPr>
+        <p:spPr/>
         <p:txBody>
           <a:bodyPr>
-            <a:normAutofit fontScale="85000" lnSpcReduction="20000"/>
+            <a:normAutofit fontScale="92500"/>
           </a:bodyPr>
           <a:lstStyle/>
           <a:p>
             <a:r>
               <a:rPr lang="en-GB" dirty="0" smtClean="0"/>
-              <a:t>PhysicsGame1 / </a:t>
+              <a:t>Will try to perform as many steps as necessary in the </a:t>
             </a:r>
             <a:r>
               <a:rPr lang="en-GB" dirty="0" err="1" smtClean="0"/>
-              <a:t>VRGame</a:t>
+              <a:t>timeDelta</a:t>
             </a:r>
             <a:endParaRPr lang="en-GB" dirty="0" smtClean="0"/>
           </a:p>
           <a:p>
+            <a:r>
+              <a:rPr lang="en-GB" dirty="0" smtClean="0"/>
+              <a:t>Example:</a:t>
+            </a:r>
+          </a:p>
+          <a:p>
             <a:pPr lvl="1"/>
             <a:r>
               <a:rPr lang="en-GB" dirty="0" smtClean="0"/>
-              <a:t>A container for the game components</a:t>
-            </a:r>
-          </a:p>
-          <a:p>
+              <a:t>If </a:t>
+            </a:r>
             <a:r>
               <a:rPr lang="en-GB" dirty="0" err="1" smtClean="0"/>
-              <a:t>PhysicsController</a:t>
-            </a:r>
-            <a:endParaRPr lang="en-GB" dirty="0" smtClean="0"/>
-          </a:p>
-          <a:p>
-            <a:pPr lvl="1"/>
+              <a:t>timeDelta</a:t>
+            </a:r>
             <a:r>
               <a:rPr lang="en-GB" dirty="0" smtClean="0"/>
-              <a:t>Attached to a component using </a:t>
-            </a:r>
-            <a:r>
-              <a:rPr lang="en-GB" dirty="0" err="1" smtClean="0"/>
-              <a:t>world_modes</a:t>
-            </a:r>
+              <a:t> was 0.5 then 500 steps with a fixed time delta of 0.01</a:t>
+            </a:r>
+          </a:p>
+          <a:p>
             <a:r>
               <a:rPr lang="en-GB" dirty="0" smtClean="0"/>
-              <a:t>::</a:t>
-            </a:r>
-            <a:r>
-              <a:rPr lang="en-GB" dirty="0" err="1" smtClean="0"/>
-              <a:t>to_parent</a:t>
-            </a:r>
-            <a:endParaRPr lang="en-GB" dirty="0" smtClean="0"/>
-          </a:p>
-          <a:p>
-            <a:pPr lvl="1"/>
-            <a:r>
-              <a:rPr lang="en-IE" dirty="0" err="1"/>
-              <a:t>btCollisionShape</a:t>
-            </a:r>
-            <a:r>
-              <a:rPr lang="en-IE" dirty="0"/>
-              <a:t> * shape</a:t>
-            </a:r>
-            <a:r>
-              <a:rPr lang="en-IE" dirty="0" smtClean="0"/>
-              <a:t>;</a:t>
-            </a:r>
-          </a:p>
-          <a:p>
-            <a:pPr lvl="2"/>
+              <a:t>If it cant keep up then the simulation will appear to slow down as not enough steps will be </a:t>
+            </a:r>
             <a:r>
               <a:rPr lang="en-GB" dirty="0" smtClean="0"/>
-              <a:t>Describes the shape of the body</a:t>
-            </a:r>
-          </a:p>
-          <a:p>
-            <a:pPr lvl="2"/>
+              <a:t>taken</a:t>
+            </a:r>
+          </a:p>
+          <a:p>
             <a:r>
               <a:rPr lang="en-GB" dirty="0" smtClean="0"/>
-              <a:t>Used for collision detection</a:t>
-            </a:r>
-            <a:endParaRPr lang="en-IE" dirty="0"/>
-          </a:p>
-          <a:p>
-            <a:pPr lvl="1"/>
-            <a:r>
-              <a:rPr lang="en-IE" dirty="0" err="1"/>
-              <a:t>btRigidBody</a:t>
-            </a:r>
-            <a:r>
-              <a:rPr lang="en-IE" dirty="0"/>
-              <a:t> * </a:t>
-            </a:r>
-            <a:r>
-              <a:rPr lang="en-IE" dirty="0" err="1"/>
-              <a:t>rigidBody</a:t>
-            </a:r>
-            <a:r>
-              <a:rPr lang="en-IE" dirty="0" smtClean="0"/>
-              <a:t>;</a:t>
-            </a:r>
-          </a:p>
-          <a:p>
-            <a:pPr lvl="2"/>
+              <a:t>Bullet can se </a:t>
+            </a:r>
+            <a:r>
+              <a:rPr lang="en-GB" b="1" dirty="0" smtClean="0"/>
+              <a:t>discrete</a:t>
+            </a:r>
             <a:r>
               <a:rPr lang="en-GB" dirty="0" smtClean="0"/>
-              <a:t>Has position, quaternion etc.</a:t>
-            </a:r>
-            <a:endParaRPr lang="en-IE" dirty="0"/>
-          </a:p>
-          <a:p>
-            <a:pPr lvl="1"/>
-            <a:r>
-              <a:rPr lang="en-IE" dirty="0" err="1"/>
-              <a:t>btMotionState</a:t>
-            </a:r>
-            <a:r>
-              <a:rPr lang="en-IE" dirty="0"/>
-              <a:t> * </a:t>
-            </a:r>
-            <a:r>
-              <a:rPr lang="en-IE" dirty="0" err="1"/>
-              <a:t>motionState</a:t>
-            </a:r>
-            <a:r>
-              <a:rPr lang="en-IE" dirty="0" smtClean="0"/>
-              <a:t>;</a:t>
-            </a:r>
-          </a:p>
-          <a:p>
-            <a:pPr lvl="2"/>
+              <a:t> or </a:t>
+            </a:r>
+            <a:r>
+              <a:rPr lang="en-GB" b="1" dirty="0" smtClean="0"/>
+              <a:t>continuous </a:t>
+            </a:r>
             <a:r>
               <a:rPr lang="en-GB" dirty="0" smtClean="0"/>
-              <a:t>Sets the default position &amp; quaternion</a:t>
-            </a:r>
-          </a:p>
-          <a:p>
-            <a:pPr lvl="2"/>
-            <a:r>
-              <a:rPr lang="en-GB" dirty="0" smtClean="0"/>
-              <a:t>Must be freed</a:t>
-            </a:r>
-            <a:endParaRPr lang="en-IE" dirty="0"/>
-          </a:p>
-          <a:p>
-            <a:pPr lvl="1"/>
-            <a:endParaRPr lang="en-GB" dirty="0" smtClean="0"/>
-          </a:p>
-          <a:p>
-            <a:pPr lvl="1"/>
-            <a:endParaRPr lang="en-GB" dirty="0" smtClean="0"/>
-          </a:p>
-          <a:p>
+              <a:t>collision detection (CCD)</a:t>
+            </a:r>
             <a:endParaRPr lang="en-IE" dirty="0"/>
           </a:p>
         </p:txBody>
@@ -11705,7 +11676,7 @@
     </p:spTree>
     <p:extLst>
       <p:ext uri="{BB962C8B-B14F-4D97-AF65-F5344CB8AC3E}">
-        <p14:creationId xmlns:p14="http://schemas.microsoft.com/office/powerpoint/2010/main" val="3271917165"/>
+        <p14:creationId xmlns:p14="http://schemas.microsoft.com/office/powerpoint/2010/main" val="1927519534"/>
       </p:ext>
     </p:extLst>
   </p:cSld>
@@ -11742,49 +11713,131 @@
             <p:ph type="title"/>
           </p:nvPr>
         </p:nvSpPr>
-        <p:spPr/>
+        <p:spPr>
+          <a:xfrm>
+            <a:off x="457200" y="116632"/>
+            <a:ext cx="8229600" cy="1143000"/>
+          </a:xfrm>
+        </p:spPr>
         <p:txBody>
           <a:bodyPr/>
           <a:lstStyle/>
           <a:p>
-            <a:endParaRPr lang="en-IE"/>
+            <a:r>
+              <a:rPr lang="en-IE" dirty="0" smtClean="0"/>
+              <a:t>Bullet through paper</a:t>
+            </a:r>
+            <a:endParaRPr lang="en-IE" dirty="0"/>
           </a:p>
         </p:txBody>
       </p:sp>
+      <p:pic>
+        <p:nvPicPr>
+          <p:cNvPr id="5122" name="Picture 2"/>
+          <p:cNvPicPr>
+            <a:picLocks noChangeAspect="1" noChangeArrowheads="1"/>
+          </p:cNvPicPr>
+          <p:nvPr/>
+        </p:nvPicPr>
+        <p:blipFill>
+          <a:blip r:embed="rId2" cstate="print">
+            <a:extLst>
+              <a:ext uri="{28A0092B-C50C-407E-A947-70E740481C1C}">
+                <a14:useLocalDpi xmlns:a14="http://schemas.microsoft.com/office/drawing/2010/main" val="0"/>
+              </a:ext>
+            </a:extLst>
+          </a:blip>
+          <a:srcRect/>
+          <a:stretch>
+            <a:fillRect/>
+          </a:stretch>
+        </p:blipFill>
+        <p:spPr bwMode="auto">
+          <a:xfrm>
+            <a:off x="251520" y="1196752"/>
+            <a:ext cx="5184576" cy="4113719"/>
+          </a:xfrm>
+          <a:prstGeom prst="rect">
+            <a:avLst/>
+          </a:prstGeom>
+          <a:noFill/>
+          <a:ln>
+            <a:noFill/>
+          </a:ln>
+          <a:extLst>
+            <a:ext uri="{909E8E84-426E-40DD-AFC4-6F175D3DCCD1}">
+              <a14:hiddenFill xmlns:a14="http://schemas.microsoft.com/office/drawing/2010/main">
+                <a:solidFill>
+                  <a:schemeClr val="accent1"/>
+                </a:solidFill>
+              </a14:hiddenFill>
+            </a:ext>
+            <a:ext uri="{91240B29-F687-4F45-9708-019B960494DF}">
+              <a14:hiddenLine xmlns:a14="http://schemas.microsoft.com/office/drawing/2010/main" w="9525">
+                <a:solidFill>
+                  <a:schemeClr val="tx1"/>
+                </a:solidFill>
+                <a:miter lim="800000"/>
+                <a:headEnd/>
+                <a:tailEnd/>
+              </a14:hiddenLine>
+            </a:ext>
+          </a:extLst>
+        </p:spPr>
+      </p:pic>
       <p:sp>
         <p:nvSpPr>
-          <p:cNvPr id="3" name="Content Placeholder 2"/>
-          <p:cNvSpPr>
-            <a:spLocks noGrp="1"/>
-          </p:cNvSpPr>
-          <p:nvPr>
-            <p:ph idx="1"/>
-          </p:nvPr>
+          <p:cNvPr id="4" name="TextBox 3"/>
+          <p:cNvSpPr txBox="1"/>
+          <p:nvPr/>
         </p:nvSpPr>
-        <p:spPr/>
+        <p:spPr>
+          <a:xfrm>
+            <a:off x="5796137" y="1556792"/>
+            <a:ext cx="2880320" cy="4524315"/>
+          </a:xfrm>
+          <a:prstGeom prst="rect">
+            <a:avLst/>
+          </a:prstGeom>
+          <a:noFill/>
+        </p:spPr>
         <p:txBody>
-          <a:bodyPr/>
+          <a:bodyPr wrap="square" rtlCol="0">
+            <a:spAutoFit/>
+          </a:bodyPr>
           <a:lstStyle/>
           <a:p>
             <a:r>
-              <a:rPr lang="en-GB" dirty="0" err="1" smtClean="0"/>
-              <a:t>PhysicsCamera</a:t>
-            </a:r>
-            <a:endParaRPr lang="en-GB" dirty="0" smtClean="0"/>
-          </a:p>
-          <a:p>
-            <a:pPr lvl="1"/>
-            <a:r>
-              <a:rPr lang="en-GB" dirty="0" smtClean="0"/>
-              <a:t>A Kinematic object (gets updated from the camera)</a:t>
-            </a:r>
-          </a:p>
-          <a:p>
-            <a:pPr lvl="1"/>
-            <a:r>
-              <a:rPr lang="en-GB" dirty="0" smtClean="0"/>
-              <a:t>Implements the Gravity Gun</a:t>
-            </a:r>
+              <a:rPr lang="en-IE" dirty="0" smtClean="0"/>
+              <a:t>An object has a high velocity. The objects new position is calculated based on the </a:t>
+            </a:r>
+            <a:r>
+              <a:rPr lang="en-IE" dirty="0" err="1" smtClean="0"/>
+              <a:t>timeDelta</a:t>
+            </a:r>
+            <a:r>
+              <a:rPr lang="en-IE" dirty="0" smtClean="0"/>
+              <a:t>. The new position is on the far side of a “thin” object that is in the way. The collision detection system has not registered any collision and so it appears as though the object has passed through the “thin” object. See:</a:t>
+            </a:r>
+          </a:p>
+          <a:p>
+            <a:r>
+              <a:rPr lang="en-IE" dirty="0">
+                <a:hlinkClick r:id="rId3"/>
+              </a:rPr>
+              <a:t>http://</a:t>
+            </a:r>
+            <a:r>
+              <a:rPr lang="en-IE" dirty="0" smtClean="0">
+                <a:hlinkClick r:id="rId3"/>
+              </a:rPr>
+              <a:t>www.panda3d.org/manual/index.php/Bullet_Continuous_Collision_Detection</a:t>
+            </a:r>
+            <a:endParaRPr lang="en-IE" dirty="0" smtClean="0">
+              <a:hlinkClick r:id="rId4"/>
+            </a:endParaRPr>
+          </a:p>
+          <a:p>
             <a:endParaRPr lang="en-IE" dirty="0"/>
           </a:p>
         </p:txBody>
@@ -11792,7 +11845,7 @@
     </p:spTree>
     <p:extLst>
       <p:ext uri="{BB962C8B-B14F-4D97-AF65-F5344CB8AC3E}">
-        <p14:creationId xmlns:p14="http://schemas.microsoft.com/office/powerpoint/2010/main" val="1845147854"/>
+        <p14:creationId xmlns:p14="http://schemas.microsoft.com/office/powerpoint/2010/main" val="210380831"/>
       </p:ext>
     </p:extLst>
   </p:cSld>
@@ -11836,7 +11889,230 @@
           <a:p>
             <a:r>
               <a:rPr lang="en-GB" dirty="0" smtClean="0"/>
-              <a:t>Gravity Gun</a:t>
+              <a:t>Bullet in BGE</a:t>
+            </a:r>
+            <a:endParaRPr lang="en-IE" dirty="0"/>
+          </a:p>
+        </p:txBody>
+      </p:sp>
+      <p:sp>
+        <p:nvSpPr>
+          <p:cNvPr id="3" name="Content Placeholder 2"/>
+          <p:cNvSpPr>
+            <a:spLocks noGrp="1"/>
+          </p:cNvSpPr>
+          <p:nvPr>
+            <p:ph idx="1"/>
+          </p:nvPr>
+        </p:nvSpPr>
+        <p:spPr>
+          <a:xfrm>
+            <a:off x="457200" y="1600200"/>
+            <a:ext cx="8229600" cy="4525963"/>
+          </a:xfrm>
+        </p:spPr>
+        <p:txBody>
+          <a:bodyPr>
+            <a:normAutofit fontScale="85000" lnSpcReduction="20000"/>
+          </a:bodyPr>
+          <a:lstStyle/>
+          <a:p>
+            <a:r>
+              <a:rPr lang="en-GB" dirty="0" smtClean="0"/>
+              <a:t>PhysicsGame1 / </a:t>
+            </a:r>
+            <a:r>
+              <a:rPr lang="en-GB" dirty="0" err="1" smtClean="0"/>
+              <a:t>VRGame</a:t>
+            </a:r>
+            <a:endParaRPr lang="en-GB" dirty="0" smtClean="0"/>
+          </a:p>
+          <a:p>
+            <a:pPr lvl="1"/>
+            <a:r>
+              <a:rPr lang="en-GB" dirty="0" smtClean="0"/>
+              <a:t>A container for the game components</a:t>
+            </a:r>
+          </a:p>
+          <a:p>
+            <a:r>
+              <a:rPr lang="en-GB" dirty="0" err="1" smtClean="0"/>
+              <a:t>PhysicsController</a:t>
+            </a:r>
+            <a:endParaRPr lang="en-GB" dirty="0" smtClean="0"/>
+          </a:p>
+          <a:p>
+            <a:pPr lvl="1"/>
+            <a:r>
+              <a:rPr lang="en-GB" dirty="0" smtClean="0"/>
+              <a:t>Attached to a component using </a:t>
+            </a:r>
+            <a:r>
+              <a:rPr lang="en-GB" dirty="0" err="1" smtClean="0"/>
+              <a:t>world_modes</a:t>
+            </a:r>
+            <a:r>
+              <a:rPr lang="en-GB" dirty="0" smtClean="0"/>
+              <a:t>::</a:t>
+            </a:r>
+            <a:r>
+              <a:rPr lang="en-GB" dirty="0" err="1" smtClean="0"/>
+              <a:t>to_parent</a:t>
+            </a:r>
+            <a:endParaRPr lang="en-GB" dirty="0" smtClean="0"/>
+          </a:p>
+          <a:p>
+            <a:pPr lvl="1"/>
+            <a:r>
+              <a:rPr lang="en-IE" dirty="0" err="1"/>
+              <a:t>btCollisionShape</a:t>
+            </a:r>
+            <a:r>
+              <a:rPr lang="en-IE" dirty="0"/>
+              <a:t> * shape</a:t>
+            </a:r>
+            <a:r>
+              <a:rPr lang="en-IE" dirty="0" smtClean="0"/>
+              <a:t>;</a:t>
+            </a:r>
+          </a:p>
+          <a:p>
+            <a:pPr lvl="2"/>
+            <a:r>
+              <a:rPr lang="en-GB" dirty="0" smtClean="0"/>
+              <a:t>Describes the shape of the body</a:t>
+            </a:r>
+          </a:p>
+          <a:p>
+            <a:pPr lvl="2"/>
+            <a:r>
+              <a:rPr lang="en-GB" dirty="0" smtClean="0"/>
+              <a:t>Used for collision detection</a:t>
+            </a:r>
+            <a:endParaRPr lang="en-IE" dirty="0"/>
+          </a:p>
+          <a:p>
+            <a:pPr lvl="1"/>
+            <a:r>
+              <a:rPr lang="en-IE" dirty="0" err="1"/>
+              <a:t>btRigidBody</a:t>
+            </a:r>
+            <a:r>
+              <a:rPr lang="en-IE" dirty="0"/>
+              <a:t> * </a:t>
+            </a:r>
+            <a:r>
+              <a:rPr lang="en-IE" dirty="0" err="1"/>
+              <a:t>rigidBody</a:t>
+            </a:r>
+            <a:r>
+              <a:rPr lang="en-IE" dirty="0" smtClean="0"/>
+              <a:t>;</a:t>
+            </a:r>
+          </a:p>
+          <a:p>
+            <a:pPr lvl="2"/>
+            <a:r>
+              <a:rPr lang="en-GB" dirty="0" smtClean="0"/>
+              <a:t>Has position, quaternion etc.</a:t>
+            </a:r>
+            <a:endParaRPr lang="en-IE" dirty="0"/>
+          </a:p>
+          <a:p>
+            <a:pPr lvl="1"/>
+            <a:r>
+              <a:rPr lang="en-IE" dirty="0" err="1"/>
+              <a:t>btMotionState</a:t>
+            </a:r>
+            <a:r>
+              <a:rPr lang="en-IE" dirty="0"/>
+              <a:t> * </a:t>
+            </a:r>
+            <a:r>
+              <a:rPr lang="en-IE" dirty="0" err="1"/>
+              <a:t>motionState</a:t>
+            </a:r>
+            <a:r>
+              <a:rPr lang="en-IE" dirty="0" smtClean="0"/>
+              <a:t>;</a:t>
+            </a:r>
+          </a:p>
+          <a:p>
+            <a:pPr lvl="2"/>
+            <a:r>
+              <a:rPr lang="en-GB" dirty="0" smtClean="0"/>
+              <a:t>Sets the default position &amp; quaternion</a:t>
+            </a:r>
+          </a:p>
+          <a:p>
+            <a:pPr lvl="2"/>
+            <a:r>
+              <a:rPr lang="en-GB" dirty="0" smtClean="0"/>
+              <a:t>Must be freed</a:t>
+            </a:r>
+            <a:endParaRPr lang="en-IE" dirty="0"/>
+          </a:p>
+          <a:p>
+            <a:pPr lvl="1"/>
+            <a:endParaRPr lang="en-GB" dirty="0" smtClean="0"/>
+          </a:p>
+          <a:p>
+            <a:pPr lvl="1"/>
+            <a:endParaRPr lang="en-GB" dirty="0" smtClean="0"/>
+          </a:p>
+          <a:p>
+            <a:endParaRPr lang="en-IE" dirty="0"/>
+          </a:p>
+        </p:txBody>
+      </p:sp>
+    </p:spTree>
+    <p:extLst>
+      <p:ext uri="{BB962C8B-B14F-4D97-AF65-F5344CB8AC3E}">
+        <p14:creationId xmlns:p14="http://schemas.microsoft.com/office/powerpoint/2010/main" val="3271917165"/>
+      </p:ext>
+    </p:extLst>
+  </p:cSld>
+  <p:clrMapOvr>
+    <a:masterClrMapping/>
+  </p:clrMapOvr>
+</p:sld>
+</file>
+
+<file path=ppt/slides/slide27.xml><?xml version="1.0" encoding="utf-8"?>
+<p:sld xmlns:a="http://schemas.openxmlformats.org/drawingml/2006/main" xmlns:r="http://schemas.openxmlformats.org/officeDocument/2006/relationships" xmlns:p="http://schemas.openxmlformats.org/presentationml/2006/main">
+  <p:cSld>
+    <p:spTree>
+      <p:nvGrpSpPr>
+        <p:cNvPr id="1" name=""/>
+        <p:cNvGrpSpPr/>
+        <p:nvPr/>
+      </p:nvGrpSpPr>
+      <p:grpSpPr>
+        <a:xfrm>
+          <a:off x="0" y="0"/>
+          <a:ext cx="0" cy="0"/>
+          <a:chOff x="0" y="0"/>
+          <a:chExt cx="0" cy="0"/>
+        </a:xfrm>
+      </p:grpSpPr>
+      <p:sp>
+        <p:nvSpPr>
+          <p:cNvPr id="2" name="Title 1"/>
+          <p:cNvSpPr>
+            <a:spLocks noGrp="1"/>
+          </p:cNvSpPr>
+          <p:nvPr>
+            <p:ph type="title"/>
+          </p:nvPr>
+        </p:nvSpPr>
+        <p:spPr/>
+        <p:txBody>
+          <a:bodyPr/>
+          <a:lstStyle/>
+          <a:p>
+            <a:r>
+              <a:rPr lang="en-IE" dirty="0" smtClean="0"/>
+              <a:t>In update…</a:t>
             </a:r>
             <a:endParaRPr lang="en-IE" dirty="0"/>
           </a:p>
@@ -11855,163 +12131,933 @@
         <p:spPr/>
         <p:txBody>
           <a:bodyPr>
-            <a:noAutofit/>
+            <a:normAutofit/>
           </a:bodyPr>
           <a:lstStyle/>
           <a:p>
-            <a:r>
-              <a:rPr lang="en-GB" sz="1600" dirty="0" smtClean="0"/>
-              <a:t>Check for a key press or mouse click</a:t>
-            </a:r>
-          </a:p>
-          <a:p>
-            <a:r>
-              <a:rPr lang="en-GB" sz="1600" dirty="0" smtClean="0"/>
-              <a:t>If there </a:t>
-            </a:r>
-            <a:r>
-              <a:rPr lang="en-GB" sz="1600" dirty="0" err="1" smtClean="0"/>
-              <a:t>isnt</a:t>
-            </a:r>
-            <a:r>
-              <a:rPr lang="en-GB" sz="1600" dirty="0" smtClean="0"/>
-              <a:t> already a pick up</a:t>
-            </a:r>
+            <a:pPr marL="0" indent="0">
+              <a:buNone/>
+            </a:pPr>
+            <a:r>
+              <a:rPr lang="en-IE" sz="1800" dirty="0">
+                <a:solidFill>
+                  <a:srgbClr val="0000FF"/>
+                </a:solidFill>
+                <a:latin typeface="Consolas"/>
+              </a:rPr>
+              <a:t>void</a:t>
+            </a:r>
+            <a:r>
+              <a:rPr lang="en-IE" sz="1800" dirty="0">
+                <a:solidFill>
+                  <a:prstClr val="black"/>
+                </a:solidFill>
+                <a:latin typeface="Consolas"/>
+              </a:rPr>
+              <a:t> </a:t>
+            </a:r>
+            <a:r>
+              <a:rPr lang="en-IE" sz="1800" dirty="0" err="1">
+                <a:solidFill>
+                  <a:srgbClr val="0000FF"/>
+                </a:solidFill>
+                <a:latin typeface="Consolas"/>
+              </a:rPr>
+              <a:t>PhysicsController</a:t>
+            </a:r>
+            <a:r>
+              <a:rPr lang="en-IE" sz="1800" dirty="0">
+                <a:solidFill>
+                  <a:prstClr val="black"/>
+                </a:solidFill>
+                <a:latin typeface="Consolas"/>
+              </a:rPr>
+              <a:t>::</a:t>
+            </a:r>
+            <a:r>
+              <a:rPr lang="en-IE" sz="1800" dirty="0">
+                <a:solidFill>
+                  <a:srgbClr val="880000"/>
+                </a:solidFill>
+                <a:latin typeface="Consolas"/>
+              </a:rPr>
+              <a:t>Update</a:t>
+            </a:r>
+            <a:r>
+              <a:rPr lang="en-IE" sz="1800" dirty="0">
+                <a:solidFill>
+                  <a:prstClr val="black"/>
+                </a:solidFill>
+                <a:latin typeface="Consolas"/>
+              </a:rPr>
+              <a:t>(</a:t>
+            </a:r>
+            <a:r>
+              <a:rPr lang="en-IE" sz="1800" dirty="0">
+                <a:solidFill>
+                  <a:srgbClr val="0000FF"/>
+                </a:solidFill>
+                <a:latin typeface="Consolas"/>
+              </a:rPr>
+              <a:t>float</a:t>
+            </a:r>
+            <a:r>
+              <a:rPr lang="en-IE" sz="1800" dirty="0">
+                <a:solidFill>
+                  <a:prstClr val="black"/>
+                </a:solidFill>
+                <a:latin typeface="Consolas"/>
+              </a:rPr>
+              <a:t> </a:t>
+            </a:r>
+            <a:r>
+              <a:rPr lang="en-IE" sz="1800" dirty="0" err="1">
+                <a:solidFill>
+                  <a:srgbClr val="000080"/>
+                </a:solidFill>
+                <a:latin typeface="Consolas"/>
+              </a:rPr>
+              <a:t>timeDelta</a:t>
+            </a:r>
+            <a:r>
+              <a:rPr lang="en-IE" sz="1800" dirty="0">
+                <a:solidFill>
+                  <a:prstClr val="black"/>
+                </a:solidFill>
+                <a:latin typeface="Consolas"/>
+              </a:rPr>
+              <a:t>)</a:t>
+            </a:r>
+          </a:p>
+          <a:p>
+            <a:pPr marL="0" indent="0">
+              <a:buNone/>
+            </a:pPr>
+            <a:r>
+              <a:rPr lang="en-IE" sz="1800" dirty="0">
+                <a:solidFill>
+                  <a:prstClr val="black"/>
+                </a:solidFill>
+                <a:latin typeface="Consolas"/>
+              </a:rPr>
+              <a:t>{</a:t>
+            </a:r>
+          </a:p>
+          <a:p>
+            <a:pPr marL="0" indent="0">
+              <a:buNone/>
+            </a:pPr>
+            <a:endParaRPr lang="en-IE" sz="1800" dirty="0">
+              <a:solidFill>
+                <a:prstClr val="black"/>
+              </a:solidFill>
+              <a:latin typeface="Consolas"/>
+            </a:endParaRPr>
+          </a:p>
+          <a:p>
+            <a:pPr marL="0" indent="0">
+              <a:buNone/>
+            </a:pPr>
+            <a:r>
+              <a:rPr lang="en-IE" sz="1800" dirty="0" smtClean="0">
+                <a:solidFill>
+                  <a:srgbClr val="0000FF"/>
+                </a:solidFill>
+                <a:latin typeface="Consolas"/>
+              </a:rPr>
+              <a:t>	</a:t>
+            </a:r>
+            <a:r>
+              <a:rPr lang="en-IE" sz="1800" dirty="0" err="1" smtClean="0">
+                <a:solidFill>
+                  <a:srgbClr val="0000FF"/>
+                </a:solidFill>
+                <a:latin typeface="Consolas"/>
+              </a:rPr>
+              <a:t>btTransform</a:t>
+            </a:r>
+            <a:r>
+              <a:rPr lang="en-IE" sz="1800" dirty="0" smtClean="0">
+                <a:solidFill>
+                  <a:prstClr val="black"/>
+                </a:solidFill>
+                <a:latin typeface="Consolas"/>
+              </a:rPr>
+              <a:t> </a:t>
+            </a:r>
+            <a:r>
+              <a:rPr lang="en-IE" sz="1800" dirty="0">
+                <a:solidFill>
+                  <a:srgbClr val="000080"/>
+                </a:solidFill>
+                <a:latin typeface="Consolas"/>
+              </a:rPr>
+              <a:t>trans</a:t>
+            </a:r>
+            <a:r>
+              <a:rPr lang="en-IE" sz="1800" dirty="0">
+                <a:solidFill>
+                  <a:prstClr val="black"/>
+                </a:solidFill>
+                <a:latin typeface="Consolas"/>
+              </a:rPr>
+              <a:t>;</a:t>
+            </a:r>
+          </a:p>
+          <a:p>
+            <a:pPr marL="0" indent="0">
+              <a:buNone/>
+            </a:pPr>
+            <a:r>
+              <a:rPr lang="en-IE" sz="1800" dirty="0">
+                <a:solidFill>
+                  <a:prstClr val="black"/>
+                </a:solidFill>
+                <a:latin typeface="Consolas"/>
+              </a:rPr>
+              <a:t>    </a:t>
+            </a:r>
+            <a:r>
+              <a:rPr lang="en-IE" sz="1800" dirty="0" smtClean="0">
+                <a:solidFill>
+                  <a:prstClr val="black"/>
+                </a:solidFill>
+                <a:latin typeface="Consolas"/>
+              </a:rPr>
+              <a:t>	</a:t>
+            </a:r>
+            <a:r>
+              <a:rPr lang="en-IE" sz="1800" dirty="0" err="1" smtClean="0">
+                <a:solidFill>
+                  <a:srgbClr val="000080"/>
+                </a:solidFill>
+                <a:latin typeface="Consolas"/>
+              </a:rPr>
+              <a:t>rigidBody</a:t>
+            </a:r>
+            <a:r>
+              <a:rPr lang="en-IE" sz="1800" dirty="0" smtClean="0">
+                <a:solidFill>
+                  <a:prstClr val="black"/>
+                </a:solidFill>
+                <a:latin typeface="Consolas"/>
+              </a:rPr>
+              <a:t>-</a:t>
+            </a:r>
+            <a:r>
+              <a:rPr lang="en-IE" sz="1800" dirty="0">
+                <a:solidFill>
+                  <a:prstClr val="black"/>
+                </a:solidFill>
+                <a:latin typeface="Consolas"/>
+              </a:rPr>
+              <a:t>&gt;</a:t>
+            </a:r>
+            <a:r>
+              <a:rPr lang="en-IE" sz="1800" dirty="0" err="1">
+                <a:solidFill>
+                  <a:srgbClr val="880000"/>
+                </a:solidFill>
+                <a:latin typeface="Consolas"/>
+              </a:rPr>
+              <a:t>getMotionState</a:t>
+            </a:r>
+            <a:r>
+              <a:rPr lang="en-IE" sz="1800" dirty="0">
+                <a:solidFill>
+                  <a:prstClr val="black"/>
+                </a:solidFill>
+                <a:latin typeface="Consolas"/>
+              </a:rPr>
+              <a:t>()-&gt;</a:t>
+            </a:r>
+            <a:r>
+              <a:rPr lang="en-IE" sz="1800" dirty="0" err="1">
+                <a:solidFill>
+                  <a:srgbClr val="880000"/>
+                </a:solidFill>
+                <a:latin typeface="Consolas"/>
+              </a:rPr>
+              <a:t>getWorldTransform</a:t>
+            </a:r>
+            <a:r>
+              <a:rPr lang="en-IE" sz="1800" dirty="0">
+                <a:solidFill>
+                  <a:prstClr val="black"/>
+                </a:solidFill>
+                <a:latin typeface="Consolas"/>
+              </a:rPr>
+              <a:t>(</a:t>
+            </a:r>
+            <a:r>
+              <a:rPr lang="en-IE" sz="1800" dirty="0">
+                <a:solidFill>
+                  <a:srgbClr val="000080"/>
+                </a:solidFill>
+                <a:latin typeface="Consolas"/>
+              </a:rPr>
+              <a:t>trans</a:t>
+            </a:r>
+            <a:r>
+              <a:rPr lang="en-IE" sz="1800" dirty="0">
+                <a:solidFill>
+                  <a:prstClr val="black"/>
+                </a:solidFill>
+                <a:latin typeface="Consolas"/>
+              </a:rPr>
+              <a:t>);</a:t>
+            </a:r>
+          </a:p>
+          <a:p>
+            <a:pPr marL="0" indent="0">
+              <a:buNone/>
+            </a:pPr>
+            <a:r>
+              <a:rPr lang="en-IE" sz="1800" dirty="0" smtClean="0">
+                <a:solidFill>
+                  <a:srgbClr val="000080"/>
+                </a:solidFill>
+                <a:latin typeface="Consolas"/>
+              </a:rPr>
+              <a:t>	position</a:t>
+            </a:r>
+            <a:r>
+              <a:rPr lang="en-IE" sz="1800" dirty="0" smtClean="0">
+                <a:solidFill>
+                  <a:prstClr val="black"/>
+                </a:solidFill>
+                <a:latin typeface="Consolas"/>
+              </a:rPr>
+              <a:t> </a:t>
+            </a:r>
+            <a:r>
+              <a:rPr lang="en-IE" sz="1800" dirty="0">
+                <a:solidFill>
+                  <a:prstClr val="black"/>
+                </a:solidFill>
+                <a:latin typeface="Consolas"/>
+              </a:rPr>
+              <a:t>= </a:t>
+            </a:r>
+            <a:r>
+              <a:rPr lang="en-IE" sz="1800" dirty="0" err="1">
+                <a:solidFill>
+                  <a:srgbClr val="880000"/>
+                </a:solidFill>
+                <a:latin typeface="Consolas"/>
+              </a:rPr>
+              <a:t>BtToGLVector</a:t>
+            </a:r>
+            <a:r>
+              <a:rPr lang="en-IE" sz="1800" dirty="0">
+                <a:solidFill>
+                  <a:prstClr val="black"/>
+                </a:solidFill>
+                <a:latin typeface="Consolas"/>
+              </a:rPr>
+              <a:t>(</a:t>
+            </a:r>
+            <a:r>
+              <a:rPr lang="en-IE" sz="1800" dirty="0" err="1">
+                <a:solidFill>
+                  <a:srgbClr val="000080"/>
+                </a:solidFill>
+                <a:latin typeface="Consolas"/>
+              </a:rPr>
+              <a:t>trans</a:t>
+            </a:r>
+            <a:r>
+              <a:rPr lang="en-IE" sz="1800" dirty="0" err="1">
+                <a:solidFill>
+                  <a:prstClr val="black"/>
+                </a:solidFill>
+                <a:latin typeface="Consolas"/>
+              </a:rPr>
+              <a:t>.</a:t>
+            </a:r>
+            <a:r>
+              <a:rPr lang="en-IE" sz="1800" dirty="0" err="1">
+                <a:solidFill>
+                  <a:srgbClr val="880000"/>
+                </a:solidFill>
+                <a:latin typeface="Consolas"/>
+              </a:rPr>
+              <a:t>getOrigin</a:t>
+            </a:r>
+            <a:r>
+              <a:rPr lang="en-IE" sz="1800" dirty="0">
+                <a:solidFill>
+                  <a:prstClr val="black"/>
+                </a:solidFill>
+                <a:latin typeface="Consolas"/>
+              </a:rPr>
+              <a:t>());</a:t>
+            </a:r>
+          </a:p>
+          <a:p>
+            <a:pPr marL="0" indent="0">
+              <a:buNone/>
+            </a:pPr>
+            <a:r>
+              <a:rPr lang="en-IE" sz="1800" dirty="0" smtClean="0">
+                <a:solidFill>
+                  <a:srgbClr val="000080"/>
+                </a:solidFill>
+                <a:latin typeface="Consolas"/>
+              </a:rPr>
+              <a:t>	orientation</a:t>
+            </a:r>
+            <a:r>
+              <a:rPr lang="en-IE" sz="1800" dirty="0" smtClean="0">
+                <a:solidFill>
+                  <a:prstClr val="black"/>
+                </a:solidFill>
+                <a:latin typeface="Consolas"/>
+              </a:rPr>
+              <a:t> </a:t>
+            </a:r>
+            <a:r>
+              <a:rPr lang="en-IE" sz="1800" dirty="0">
+                <a:solidFill>
+                  <a:prstClr val="black"/>
+                </a:solidFill>
+                <a:latin typeface="Consolas"/>
+              </a:rPr>
+              <a:t>= </a:t>
+            </a:r>
+            <a:r>
+              <a:rPr lang="en-IE" sz="1800" dirty="0" err="1">
+                <a:solidFill>
+                  <a:srgbClr val="880000"/>
+                </a:solidFill>
+                <a:latin typeface="Consolas"/>
+              </a:rPr>
+              <a:t>BtToGLQuat</a:t>
+            </a:r>
+            <a:r>
+              <a:rPr lang="en-IE" sz="1800" dirty="0">
+                <a:solidFill>
+                  <a:prstClr val="black"/>
+                </a:solidFill>
+                <a:latin typeface="Consolas"/>
+              </a:rPr>
+              <a:t>(</a:t>
+            </a:r>
+            <a:r>
+              <a:rPr lang="en-IE" sz="1800" dirty="0" err="1">
+                <a:solidFill>
+                  <a:srgbClr val="000080"/>
+                </a:solidFill>
+                <a:latin typeface="Consolas"/>
+              </a:rPr>
+              <a:t>trans</a:t>
+            </a:r>
+            <a:r>
+              <a:rPr lang="en-IE" sz="1800" dirty="0" err="1">
+                <a:solidFill>
+                  <a:prstClr val="black"/>
+                </a:solidFill>
+                <a:latin typeface="Consolas"/>
+              </a:rPr>
+              <a:t>.</a:t>
+            </a:r>
+            <a:r>
+              <a:rPr lang="en-IE" sz="1800" dirty="0" err="1">
+                <a:solidFill>
+                  <a:srgbClr val="880000"/>
+                </a:solidFill>
+                <a:latin typeface="Consolas"/>
+              </a:rPr>
+              <a:t>getRotation</a:t>
+            </a:r>
+            <a:r>
+              <a:rPr lang="en-IE" sz="1800" dirty="0">
+                <a:solidFill>
+                  <a:prstClr val="black"/>
+                </a:solidFill>
+                <a:latin typeface="Consolas"/>
+              </a:rPr>
+              <a:t>());</a:t>
+            </a:r>
+          </a:p>
+          <a:p>
+            <a:pPr marL="0" indent="0">
+              <a:buNone/>
+            </a:pPr>
+            <a:endParaRPr lang="en-IE" sz="1800" dirty="0">
+              <a:solidFill>
+                <a:prstClr val="black"/>
+              </a:solidFill>
+              <a:latin typeface="Consolas"/>
+            </a:endParaRPr>
+          </a:p>
+          <a:p>
+            <a:pPr marL="0" indent="0">
+              <a:buNone/>
+            </a:pPr>
+            <a:r>
+              <a:rPr lang="en-IE" sz="1800" dirty="0">
+                <a:solidFill>
+                  <a:srgbClr val="008000"/>
+                </a:solidFill>
+                <a:latin typeface="Consolas"/>
+              </a:rPr>
+              <a:t>// Calculate the world transform </a:t>
+            </a:r>
+            <a:endParaRPr lang="en-IE" sz="1800" dirty="0">
+              <a:solidFill>
+                <a:prstClr val="black"/>
+              </a:solidFill>
+              <a:latin typeface="Consolas"/>
+            </a:endParaRPr>
+          </a:p>
+          <a:p>
+            <a:pPr marL="0" indent="0">
+              <a:buNone/>
+            </a:pPr>
+            <a:r>
+              <a:rPr lang="en-IE" sz="1800" dirty="0" err="1">
+                <a:solidFill>
+                  <a:srgbClr val="0000FF"/>
+                </a:solidFill>
+                <a:latin typeface="Consolas"/>
+              </a:rPr>
+              <a:t>GameComponent</a:t>
+            </a:r>
+            <a:r>
+              <a:rPr lang="en-IE" sz="1800" dirty="0">
+                <a:solidFill>
+                  <a:prstClr val="black"/>
+                </a:solidFill>
+                <a:latin typeface="Consolas"/>
+              </a:rPr>
+              <a:t>::</a:t>
+            </a:r>
+            <a:r>
+              <a:rPr lang="en-IE" sz="1800" dirty="0">
+                <a:solidFill>
+                  <a:srgbClr val="880000"/>
+                </a:solidFill>
+                <a:latin typeface="Consolas"/>
+              </a:rPr>
+              <a:t>Update</a:t>
+            </a:r>
+            <a:r>
+              <a:rPr lang="en-IE" sz="1800" dirty="0">
+                <a:solidFill>
+                  <a:prstClr val="black"/>
+                </a:solidFill>
+                <a:latin typeface="Consolas"/>
+              </a:rPr>
+              <a:t>(</a:t>
+            </a:r>
+            <a:r>
+              <a:rPr lang="en-IE" sz="1800" dirty="0" err="1">
+                <a:solidFill>
+                  <a:srgbClr val="000080"/>
+                </a:solidFill>
+                <a:latin typeface="Consolas"/>
+              </a:rPr>
+              <a:t>timeDelta</a:t>
+            </a:r>
+            <a:r>
+              <a:rPr lang="en-IE" sz="1800" dirty="0">
+                <a:solidFill>
+                  <a:prstClr val="black"/>
+                </a:solidFill>
+                <a:latin typeface="Consolas"/>
+              </a:rPr>
+              <a:t>);</a:t>
+            </a:r>
+          </a:p>
+          <a:p>
+            <a:pPr marL="0" indent="0">
+              <a:buNone/>
+            </a:pPr>
+            <a:r>
+              <a:rPr lang="en-IE" sz="1800" dirty="0">
+                <a:solidFill>
+                  <a:prstClr val="black"/>
+                </a:solidFill>
+                <a:latin typeface="Consolas"/>
+              </a:rPr>
+              <a:t>}</a:t>
+            </a:r>
+          </a:p>
+          <a:p>
+            <a:endParaRPr lang="en-IE" sz="4000" dirty="0"/>
+          </a:p>
+        </p:txBody>
+      </p:sp>
+      <p:sp>
+        <p:nvSpPr>
+          <p:cNvPr id="4" name="Oval 3"/>
+          <p:cNvSpPr/>
+          <p:nvPr/>
+        </p:nvSpPr>
+        <p:spPr>
+          <a:xfrm>
+            <a:off x="899592" y="2492896"/>
+            <a:ext cx="7128792" cy="1800200"/>
+          </a:xfrm>
+          <a:prstGeom prst="ellipse">
+            <a:avLst/>
+          </a:prstGeom>
+          <a:noFill/>
+        </p:spPr>
+        <p:style>
+          <a:lnRef idx="2">
+            <a:schemeClr val="accent1">
+              <a:shade val="50000"/>
+            </a:schemeClr>
+          </a:lnRef>
+          <a:fillRef idx="1">
+            <a:schemeClr val="accent1"/>
+          </a:fillRef>
+          <a:effectRef idx="0">
+            <a:schemeClr val="accent1"/>
+          </a:effectRef>
+          <a:fontRef idx="minor">
+            <a:schemeClr val="lt1"/>
+          </a:fontRef>
+        </p:style>
+        <p:txBody>
+          <a:bodyPr rtlCol="0" anchor="ctr"/>
+          <a:lstStyle/>
+          <a:p>
+            <a:pPr algn="ctr"/>
+            <a:endParaRPr lang="en-IE"/>
+          </a:p>
+        </p:txBody>
+      </p:sp>
+      <p:sp>
+        <p:nvSpPr>
+          <p:cNvPr id="5" name="TextBox 4"/>
+          <p:cNvSpPr txBox="1"/>
+          <p:nvPr/>
+        </p:nvSpPr>
+        <p:spPr>
+          <a:xfrm>
+            <a:off x="5913766" y="5085184"/>
+            <a:ext cx="2762690" cy="646331"/>
+          </a:xfrm>
+          <a:prstGeom prst="rect">
+            <a:avLst/>
+          </a:prstGeom>
+          <a:noFill/>
+        </p:spPr>
+        <p:txBody>
+          <a:bodyPr wrap="square" rtlCol="0">
+            <a:spAutoFit/>
+          </a:bodyPr>
+          <a:lstStyle/>
+          <a:p>
+            <a:r>
+              <a:rPr lang="en-GB" dirty="0" smtClean="0"/>
+              <a:t>Get th</a:t>
+            </a:r>
+            <a:r>
+              <a:rPr lang="en-GB" dirty="0" smtClean="0"/>
+              <a:t>e position &amp; quaternion from bullet</a:t>
+            </a:r>
+            <a:endParaRPr lang="en-IE" dirty="0"/>
+          </a:p>
+        </p:txBody>
+      </p:sp>
+      <p:cxnSp>
+        <p:nvCxnSpPr>
+          <p:cNvPr id="6" name="Straight Arrow Connector 5"/>
+          <p:cNvCxnSpPr/>
+          <p:nvPr/>
+        </p:nvCxnSpPr>
+        <p:spPr>
+          <a:xfrm flipH="1" flipV="1">
+            <a:off x="6660233" y="4149081"/>
+            <a:ext cx="162081" cy="936103"/>
+          </a:xfrm>
+          <a:prstGeom prst="straightConnector1">
+            <a:avLst/>
+          </a:prstGeom>
+          <a:ln>
+            <a:tailEnd type="arrow"/>
+          </a:ln>
+        </p:spPr>
+        <p:style>
+          <a:lnRef idx="1">
+            <a:schemeClr val="accent1"/>
+          </a:lnRef>
+          <a:fillRef idx="0">
+            <a:schemeClr val="accent1"/>
+          </a:fillRef>
+          <a:effectRef idx="0">
+            <a:schemeClr val="accent1"/>
+          </a:effectRef>
+          <a:fontRef idx="minor">
+            <a:schemeClr val="tx1"/>
+          </a:fontRef>
+        </p:style>
+      </p:cxnSp>
+    </p:spTree>
+    <p:extLst>
+      <p:ext uri="{BB962C8B-B14F-4D97-AF65-F5344CB8AC3E}">
+        <p14:creationId xmlns:p14="http://schemas.microsoft.com/office/powerpoint/2010/main" val="3663464594"/>
+      </p:ext>
+    </p:extLst>
+  </p:cSld>
+  <p:clrMapOvr>
+    <a:masterClrMapping/>
+  </p:clrMapOvr>
+</p:sld>
+</file>
+
+<file path=ppt/slides/slide28.xml><?xml version="1.0" encoding="utf-8"?>
+<p:sld xmlns:a="http://schemas.openxmlformats.org/drawingml/2006/main" xmlns:r="http://schemas.openxmlformats.org/officeDocument/2006/relationships" xmlns:p="http://schemas.openxmlformats.org/presentationml/2006/main">
+  <p:cSld>
+    <p:spTree>
+      <p:nvGrpSpPr>
+        <p:cNvPr id="1" name=""/>
+        <p:cNvGrpSpPr/>
+        <p:nvPr/>
+      </p:nvGrpSpPr>
+      <p:grpSpPr>
+        <a:xfrm>
+          <a:off x="0" y="0"/>
+          <a:ext cx="0" cy="0"/>
+          <a:chOff x="0" y="0"/>
+          <a:chExt cx="0" cy="0"/>
+        </a:xfrm>
+      </p:grpSpPr>
+      <p:sp>
+        <p:nvSpPr>
+          <p:cNvPr id="2" name="Title 1"/>
+          <p:cNvSpPr>
+            <a:spLocks noGrp="1"/>
+          </p:cNvSpPr>
+          <p:nvPr>
+            <p:ph type="title"/>
+          </p:nvPr>
+        </p:nvSpPr>
+        <p:spPr/>
+        <p:txBody>
+          <a:bodyPr/>
+          <a:lstStyle/>
+          <a:p>
+            <a:endParaRPr lang="en-IE"/>
+          </a:p>
+        </p:txBody>
+      </p:sp>
+      <p:sp>
+        <p:nvSpPr>
+          <p:cNvPr id="3" name="Content Placeholder 2"/>
+          <p:cNvSpPr>
+            <a:spLocks noGrp="1"/>
+          </p:cNvSpPr>
+          <p:nvPr>
+            <p:ph idx="1"/>
+          </p:nvPr>
+        </p:nvSpPr>
+        <p:spPr/>
+        <p:txBody>
+          <a:bodyPr>
+            <a:normAutofit/>
+          </a:bodyPr>
+          <a:lstStyle/>
+          <a:p>
+            <a:r>
+              <a:rPr lang="en-GB" dirty="0" err="1" smtClean="0"/>
+              <a:t>PhysicsCamera</a:t>
+            </a:r>
+            <a:endParaRPr lang="en-GB" dirty="0" smtClean="0"/>
           </a:p>
           <a:p>
             <a:pPr lvl="1"/>
             <a:r>
-              <a:rPr lang="en-GB" sz="1600" dirty="0" smtClean="0"/>
-              <a:t>Perform a ray cast</a:t>
-            </a:r>
+              <a:rPr lang="en-GB" dirty="0" smtClean="0"/>
+              <a:t>A subclass of </a:t>
+            </a:r>
+            <a:r>
+              <a:rPr lang="en-GB" dirty="0" err="1" smtClean="0"/>
+              <a:t>PhysicsController</a:t>
+            </a:r>
+            <a:r>
+              <a:rPr lang="en-GB" dirty="0" smtClean="0"/>
+              <a:t> and </a:t>
+            </a:r>
+            <a:r>
+              <a:rPr lang="en-IE" dirty="0" err="1" smtClean="0"/>
+              <a:t>btMotionState</a:t>
+            </a:r>
+            <a:endParaRPr lang="en-GB" dirty="0" smtClean="0"/>
           </a:p>
           <a:p>
             <a:pPr lvl="1"/>
             <a:r>
-              <a:rPr lang="en-GB" sz="1600" dirty="0" smtClean="0"/>
-              <a:t>If it picks up something (check if the picked up object is != null)</a:t>
-            </a:r>
-          </a:p>
-          <a:p>
-            <a:pPr lvl="2"/>
-            <a:r>
-              <a:rPr lang="en-GB" sz="1600" dirty="0" smtClean="0"/>
-              <a:t>(not the world itself or the camera)</a:t>
-            </a:r>
-          </a:p>
-          <a:p>
-            <a:pPr lvl="2"/>
-            <a:r>
-              <a:rPr lang="en-GB" sz="1600" dirty="0" smtClean="0"/>
-              <a:t>Pick something up</a:t>
+              <a:rPr lang="en-GB" dirty="0" smtClean="0"/>
+              <a:t>Attached to the camera</a:t>
             </a:r>
           </a:p>
           <a:p>
             <a:pPr lvl="1"/>
             <a:r>
-              <a:rPr lang="en-GB" sz="1600" dirty="0" smtClean="0"/>
-              <a:t>Calculate the hold </a:t>
-            </a:r>
-            <a:r>
-              <a:rPr lang="en-GB" sz="1600" dirty="0" err="1" smtClean="0"/>
-              <a:t>pos</a:t>
-            </a:r>
-            <a:r>
-              <a:rPr lang="en-GB" sz="1600" dirty="0" smtClean="0"/>
-              <a:t> (some units in front of the camera)</a:t>
+              <a:rPr lang="en-GB" dirty="0" smtClean="0"/>
+              <a:t>A </a:t>
+            </a:r>
+            <a:r>
+              <a:rPr lang="en-GB" b="1" dirty="0" smtClean="0"/>
+              <a:t>Kinematic</a:t>
+            </a:r>
+            <a:r>
+              <a:rPr lang="en-GB" dirty="0" smtClean="0"/>
+              <a:t> object (gets updated from the camera</a:t>
+            </a:r>
+            <a:r>
+              <a:rPr lang="en-GB" dirty="0" smtClean="0"/>
+              <a:t>)</a:t>
             </a:r>
           </a:p>
           <a:p>
             <a:pPr lvl="1"/>
             <a:r>
-              <a:rPr lang="en-GB" sz="1600" dirty="0" smtClean="0"/>
-              <a:t>Calculate velocity</a:t>
-            </a:r>
-          </a:p>
-          <a:p>
-            <a:pPr lvl="2"/>
-            <a:r>
-              <a:rPr lang="en-GB" sz="1600" dirty="0" smtClean="0"/>
-              <a:t>Calculate direction = </a:t>
-            </a:r>
-            <a:r>
-              <a:rPr lang="en-GB" sz="1600" dirty="0" err="1" smtClean="0"/>
-              <a:t>holdPos</a:t>
-            </a:r>
-            <a:r>
-              <a:rPr lang="en-GB" sz="1600" dirty="0" smtClean="0"/>
-              <a:t> – </a:t>
-            </a:r>
-            <a:r>
-              <a:rPr lang="en-GB" sz="1600" dirty="0" err="1" smtClean="0"/>
-              <a:t>pickedUpPos</a:t>
-            </a:r>
-            <a:endParaRPr lang="en-GB" sz="1600" dirty="0" smtClean="0"/>
-          </a:p>
-          <a:p>
-            <a:pPr lvl="2"/>
-            <a:r>
-              <a:rPr lang="en-GB" sz="1600" dirty="0" smtClean="0"/>
-              <a:t>Scale by power factor</a:t>
-            </a:r>
-          </a:p>
-          <a:p>
-            <a:pPr lvl="2"/>
-            <a:r>
-              <a:rPr lang="en-GB" sz="1600" dirty="0" smtClean="0"/>
-              <a:t>Normalise</a:t>
-            </a:r>
-          </a:p>
-          <a:p>
-            <a:pPr lvl="2"/>
-            <a:r>
-              <a:rPr lang="en-GB" sz="1600" dirty="0" smtClean="0"/>
-              <a:t>Scale by max velocity</a:t>
-            </a:r>
+              <a:rPr lang="en-GB" dirty="0" smtClean="0"/>
+              <a:t>The function </a:t>
+            </a:r>
+            <a:r>
+              <a:rPr lang="en-IE" dirty="0" err="1" smtClean="0"/>
+              <a:t>getWorldTransform</a:t>
+            </a:r>
+            <a:r>
+              <a:rPr lang="en-IE" dirty="0" smtClean="0"/>
+              <a:t> gets called by Bullet to update the bullet object from the game object</a:t>
+            </a:r>
+            <a:endParaRPr lang="en-GB" dirty="0" smtClean="0"/>
           </a:p>
           <a:p>
             <a:pPr lvl="1"/>
             <a:r>
-              <a:rPr lang="en-GB" sz="1600" dirty="0" smtClean="0"/>
-              <a:t>Set the velocity of the picked up rigid body (which will move it to the hold </a:t>
-            </a:r>
-            <a:r>
-              <a:rPr lang="en-GB" sz="1600" dirty="0" err="1" smtClean="0"/>
-              <a:t>pos</a:t>
-            </a:r>
-            <a:r>
-              <a:rPr lang="en-GB" sz="1600" dirty="0" smtClean="0"/>
-              <a:t>)</a:t>
-            </a:r>
-          </a:p>
-          <a:p>
-            <a:pPr lvl="1"/>
-            <a:r>
-              <a:rPr lang="en-GB" sz="1600" dirty="0" smtClean="0"/>
-              <a:t>If the </a:t>
-            </a:r>
-            <a:r>
-              <a:rPr lang="en-GB" sz="1600" dirty="0" err="1" smtClean="0"/>
-              <a:t>raycast</a:t>
-            </a:r>
-            <a:r>
-              <a:rPr lang="en-GB" sz="1600" dirty="0" smtClean="0"/>
-              <a:t> is unsuccessful</a:t>
-            </a:r>
-          </a:p>
-          <a:p>
-            <a:pPr lvl="2"/>
-            <a:r>
-              <a:rPr lang="en-GB" sz="1600" dirty="0" smtClean="0"/>
-              <a:t>Set the picked up object to be null</a:t>
-            </a:r>
+              <a:rPr lang="en-GB" dirty="0" smtClean="0"/>
+              <a:t>Also implements </a:t>
+            </a:r>
+            <a:r>
+              <a:rPr lang="en-GB" dirty="0" smtClean="0"/>
+              <a:t>the Gravity Gun</a:t>
+            </a:r>
+            <a:endParaRPr lang="en-IE" dirty="0"/>
           </a:p>
         </p:txBody>
       </p:sp>
     </p:spTree>
     <p:extLst>
       <p:ext uri="{BB962C8B-B14F-4D97-AF65-F5344CB8AC3E}">
-        <p14:creationId xmlns:p14="http://schemas.microsoft.com/office/powerpoint/2010/main" val="4096738985"/>
+        <p14:creationId xmlns:p14="http://schemas.microsoft.com/office/powerpoint/2010/main" val="1845147854"/>
+      </p:ext>
+    </p:extLst>
+  </p:cSld>
+  <p:clrMapOvr>
+    <a:masterClrMapping/>
+  </p:clrMapOvr>
+</p:sld>
+</file>
+
+<file path=ppt/slides/slide29.xml><?xml version="1.0" encoding="utf-8"?>
+<p:sld xmlns:a="http://schemas.openxmlformats.org/drawingml/2006/main" xmlns:r="http://schemas.openxmlformats.org/officeDocument/2006/relationships" xmlns:p="http://schemas.openxmlformats.org/presentationml/2006/main">
+  <p:cSld>
+    <p:spTree>
+      <p:nvGrpSpPr>
+        <p:cNvPr id="1" name=""/>
+        <p:cNvGrpSpPr/>
+        <p:nvPr/>
+      </p:nvGrpSpPr>
+      <p:grpSpPr>
+        <a:xfrm>
+          <a:off x="0" y="0"/>
+          <a:ext cx="0" cy="0"/>
+          <a:chOff x="0" y="0"/>
+          <a:chExt cx="0" cy="0"/>
+        </a:xfrm>
+      </p:grpSpPr>
+      <p:sp>
+        <p:nvSpPr>
+          <p:cNvPr id="2" name="Title 1"/>
+          <p:cNvSpPr>
+            <a:spLocks noGrp="1"/>
+          </p:cNvSpPr>
+          <p:nvPr>
+            <p:ph type="title"/>
+          </p:nvPr>
+        </p:nvSpPr>
+        <p:spPr/>
+        <p:txBody>
+          <a:bodyPr/>
+          <a:lstStyle/>
+          <a:p>
+            <a:endParaRPr lang="en-IE"/>
+          </a:p>
+        </p:txBody>
+      </p:sp>
+      <p:sp>
+        <p:nvSpPr>
+          <p:cNvPr id="3" name="Content Placeholder 2"/>
+          <p:cNvSpPr>
+            <a:spLocks noGrp="1"/>
+          </p:cNvSpPr>
+          <p:nvPr>
+            <p:ph idx="1"/>
+          </p:nvPr>
+        </p:nvSpPr>
+        <p:spPr/>
+        <p:txBody>
+          <a:bodyPr/>
+          <a:lstStyle/>
+          <a:p>
+            <a:endParaRPr lang="en-IE"/>
+          </a:p>
+        </p:txBody>
+      </p:sp>
+      <p:pic>
+        <p:nvPicPr>
+          <p:cNvPr id="1026" name="Picture 2" descr="http://static1.wikia.nocookie.net/__cb20100327221215/half-life/en/images/4/46/Alyx_gravity_gun_first_retrieving.jpg"/>
+          <p:cNvPicPr>
+            <a:picLocks noChangeAspect="1" noChangeArrowheads="1"/>
+          </p:cNvPicPr>
+          <p:nvPr/>
+        </p:nvPicPr>
+        <p:blipFill>
+          <a:blip r:embed="rId2">
+            <a:extLst>
+              <a:ext uri="{28A0092B-C50C-407E-A947-70E740481C1C}">
+                <a14:useLocalDpi xmlns:a14="http://schemas.microsoft.com/office/drawing/2010/main" val="0"/>
+              </a:ext>
+            </a:extLst>
+          </a:blip>
+          <a:srcRect/>
+          <a:stretch>
+            <a:fillRect/>
+          </a:stretch>
+        </p:blipFill>
+        <p:spPr bwMode="auto">
+          <a:xfrm>
+            <a:off x="-1188640" y="-315416"/>
+            <a:ext cx="11344275" cy="6858001"/>
+          </a:xfrm>
+          <a:prstGeom prst="rect">
+            <a:avLst/>
+          </a:prstGeom>
+          <a:noFill/>
+          <a:extLst>
+            <a:ext uri="{909E8E84-426E-40DD-AFC4-6F175D3DCCD1}">
+              <a14:hiddenFill xmlns:a14="http://schemas.microsoft.com/office/drawing/2010/main">
+                <a:solidFill>
+                  <a:srgbClr val="FFFFFF"/>
+                </a:solidFill>
+              </a14:hiddenFill>
+            </a:ext>
+          </a:extLst>
+        </p:spPr>
+      </p:pic>
+    </p:spTree>
+    <p:extLst>
+      <p:ext uri="{BB962C8B-B14F-4D97-AF65-F5344CB8AC3E}">
+        <p14:creationId xmlns:p14="http://schemas.microsoft.com/office/powerpoint/2010/main" val="1137254286"/>
       </p:ext>
     </p:extLst>
   </p:cSld>
@@ -12124,11 +13170,7 @@
             </a:r>
             <a:r>
               <a:rPr lang="en-IE" dirty="0" smtClean="0"/>
-              <a:t>dynamics </a:t>
-            </a:r>
-            <a:r>
-              <a:rPr lang="en-IE" dirty="0" smtClean="0"/>
-              <a:t>(cloth </a:t>
+              <a:t>dynamics (cloth </a:t>
             </a:r>
             <a:r>
               <a:rPr lang="en-IE" dirty="0"/>
@@ -12140,30 +13182,14 @@
             <a:pPr lvl="1"/>
             <a:r>
               <a:rPr lang="en-IE" dirty="0" smtClean="0"/>
-              <a:t>Fluid dynamics </a:t>
-            </a:r>
-            <a:r>
-              <a:rPr lang="en-IE" dirty="0" smtClean="0"/>
-              <a:t>(smoke</a:t>
-            </a:r>
-            <a:r>
-              <a:rPr lang="en-IE" dirty="0" smtClean="0"/>
-              <a:t>, water)</a:t>
+              <a:t>Fluid dynamics (smoke, water)</a:t>
             </a:r>
           </a:p>
           <a:p>
             <a:pPr lvl="1"/>
             <a:r>
               <a:rPr lang="en-GB" dirty="0" smtClean="0"/>
-              <a:t>Real-time </a:t>
-            </a:r>
-            <a:r>
-              <a:rPr lang="en-GB" dirty="0" smtClean="0"/>
-              <a:t>(sacrifices </a:t>
-            </a:r>
-            <a:r>
-              <a:rPr lang="en-GB" dirty="0" smtClean="0"/>
-              <a:t>accuracy for speed, but will anybody notice?)</a:t>
+              <a:t>Real-time (sacrifices accuracy for speed, but will anybody notice?)</a:t>
             </a:r>
             <a:endParaRPr lang="en-IE" dirty="0"/>
           </a:p>
@@ -12173,6 +13199,532 @@
     <p:extLst>
       <p:ext uri="{BB962C8B-B14F-4D97-AF65-F5344CB8AC3E}">
         <p14:creationId xmlns:p14="http://schemas.microsoft.com/office/powerpoint/2010/main" val="2023015907"/>
+      </p:ext>
+    </p:extLst>
+  </p:cSld>
+  <p:clrMapOvr>
+    <a:masterClrMapping/>
+  </p:clrMapOvr>
+</p:sld>
+</file>
+
+<file path=ppt/slides/slide30.xml><?xml version="1.0" encoding="utf-8"?>
+<p:sld xmlns:a="http://schemas.openxmlformats.org/drawingml/2006/main" xmlns:r="http://schemas.openxmlformats.org/officeDocument/2006/relationships" xmlns:p="http://schemas.openxmlformats.org/presentationml/2006/main">
+  <p:cSld>
+    <p:spTree>
+      <p:nvGrpSpPr>
+        <p:cNvPr id="1" name=""/>
+        <p:cNvGrpSpPr/>
+        <p:nvPr/>
+      </p:nvGrpSpPr>
+      <p:grpSpPr>
+        <a:xfrm>
+          <a:off x="0" y="0"/>
+          <a:ext cx="0" cy="0"/>
+          <a:chOff x="0" y="0"/>
+          <a:chExt cx="0" cy="0"/>
+        </a:xfrm>
+      </p:grpSpPr>
+      <p:sp>
+        <p:nvSpPr>
+          <p:cNvPr id="2" name="Title 1"/>
+          <p:cNvSpPr>
+            <a:spLocks noGrp="1"/>
+          </p:cNvSpPr>
+          <p:nvPr>
+            <p:ph type="title"/>
+          </p:nvPr>
+        </p:nvSpPr>
+        <p:spPr/>
+        <p:txBody>
+          <a:bodyPr/>
+          <a:lstStyle/>
+          <a:p>
+            <a:endParaRPr lang="en-IE"/>
+          </a:p>
+        </p:txBody>
+      </p:sp>
+      <p:sp>
+        <p:nvSpPr>
+          <p:cNvPr id="3" name="Content Placeholder 2"/>
+          <p:cNvSpPr>
+            <a:spLocks noGrp="1"/>
+          </p:cNvSpPr>
+          <p:nvPr>
+            <p:ph idx="1"/>
+          </p:nvPr>
+        </p:nvSpPr>
+        <p:spPr/>
+        <p:txBody>
+          <a:bodyPr/>
+          <a:lstStyle/>
+          <a:p>
+            <a:endParaRPr lang="en-IE"/>
+          </a:p>
+        </p:txBody>
+      </p:sp>
+      <p:pic>
+        <p:nvPicPr>
+          <p:cNvPr id="2050" name="Picture 2" descr="http://media.pcgamer.com/files/2013/01/Gravity-Gun-1.jpg"/>
+          <p:cNvPicPr>
+            <a:picLocks noChangeAspect="1" noChangeArrowheads="1"/>
+          </p:cNvPicPr>
+          <p:nvPr/>
+        </p:nvPicPr>
+        <p:blipFill>
+          <a:blip r:embed="rId2">
+            <a:extLst>
+              <a:ext uri="{28A0092B-C50C-407E-A947-70E740481C1C}">
+                <a14:useLocalDpi xmlns:a14="http://schemas.microsoft.com/office/drawing/2010/main" val="0"/>
+              </a:ext>
+            </a:extLst>
+          </a:blip>
+          <a:srcRect/>
+          <a:stretch>
+            <a:fillRect/>
+          </a:stretch>
+        </p:blipFill>
+        <p:spPr bwMode="auto">
+          <a:xfrm>
+            <a:off x="0" y="836712"/>
+            <a:ext cx="11144250" cy="5476875"/>
+          </a:xfrm>
+          <a:prstGeom prst="rect">
+            <a:avLst/>
+          </a:prstGeom>
+          <a:noFill/>
+          <a:extLst>
+            <a:ext uri="{909E8E84-426E-40DD-AFC4-6F175D3DCCD1}">
+              <a14:hiddenFill xmlns:a14="http://schemas.microsoft.com/office/drawing/2010/main">
+                <a:solidFill>
+                  <a:srgbClr val="FFFFFF"/>
+                </a:solidFill>
+              </a14:hiddenFill>
+            </a:ext>
+          </a:extLst>
+        </p:spPr>
+      </p:pic>
+    </p:spTree>
+    <p:extLst>
+      <p:ext uri="{BB962C8B-B14F-4D97-AF65-F5344CB8AC3E}">
+        <p14:creationId xmlns:p14="http://schemas.microsoft.com/office/powerpoint/2010/main" val="3226437486"/>
+      </p:ext>
+    </p:extLst>
+  </p:cSld>
+  <p:clrMapOvr>
+    <a:masterClrMapping/>
+  </p:clrMapOvr>
+</p:sld>
+</file>
+
+<file path=ppt/slides/slide31.xml><?xml version="1.0" encoding="utf-8"?>
+<p:sld xmlns:a="http://schemas.openxmlformats.org/drawingml/2006/main" xmlns:r="http://schemas.openxmlformats.org/officeDocument/2006/relationships" xmlns:p="http://schemas.openxmlformats.org/presentationml/2006/main">
+  <p:cSld>
+    <p:spTree>
+      <p:nvGrpSpPr>
+        <p:cNvPr id="1" name=""/>
+        <p:cNvGrpSpPr/>
+        <p:nvPr/>
+      </p:nvGrpSpPr>
+      <p:grpSpPr>
+        <a:xfrm>
+          <a:off x="0" y="0"/>
+          <a:ext cx="0" cy="0"/>
+          <a:chOff x="0" y="0"/>
+          <a:chExt cx="0" cy="0"/>
+        </a:xfrm>
+      </p:grpSpPr>
+      <p:sp>
+        <p:nvSpPr>
+          <p:cNvPr id="2" name="Title 1"/>
+          <p:cNvSpPr>
+            <a:spLocks noGrp="1"/>
+          </p:cNvSpPr>
+          <p:nvPr>
+            <p:ph type="title"/>
+          </p:nvPr>
+        </p:nvSpPr>
+        <p:spPr/>
+        <p:txBody>
+          <a:bodyPr/>
+          <a:lstStyle/>
+          <a:p>
+            <a:r>
+              <a:rPr lang="en-GB" dirty="0" smtClean="0"/>
+              <a:t>Gravity Gun</a:t>
+            </a:r>
+            <a:endParaRPr lang="en-IE" dirty="0"/>
+          </a:p>
+        </p:txBody>
+      </p:sp>
+      <p:sp>
+        <p:nvSpPr>
+          <p:cNvPr id="3" name="Content Placeholder 2"/>
+          <p:cNvSpPr>
+            <a:spLocks noGrp="1"/>
+          </p:cNvSpPr>
+          <p:nvPr>
+            <p:ph idx="1"/>
+          </p:nvPr>
+        </p:nvSpPr>
+        <p:spPr>
+          <a:xfrm>
+            <a:off x="179512" y="1268760"/>
+            <a:ext cx="4834880" cy="4857403"/>
+          </a:xfrm>
+        </p:spPr>
+        <p:txBody>
+          <a:bodyPr>
+            <a:noAutofit/>
+          </a:bodyPr>
+          <a:lstStyle/>
+          <a:p>
+            <a:r>
+              <a:rPr lang="en-GB" sz="1400" dirty="0" smtClean="0"/>
+              <a:t>Check for a key press or mouse click</a:t>
+            </a:r>
+          </a:p>
+          <a:p>
+            <a:r>
+              <a:rPr lang="en-GB" sz="1400" dirty="0" smtClean="0"/>
+              <a:t>If there </a:t>
+            </a:r>
+            <a:r>
+              <a:rPr lang="en-GB" sz="1400" dirty="0" err="1" smtClean="0"/>
+              <a:t>isnt</a:t>
+            </a:r>
+            <a:r>
+              <a:rPr lang="en-GB" sz="1400" dirty="0" smtClean="0"/>
+              <a:t> already </a:t>
+            </a:r>
+            <a:r>
+              <a:rPr lang="en-GB" sz="1400" dirty="0" smtClean="0"/>
+              <a:t>a </a:t>
+            </a:r>
+            <a:r>
+              <a:rPr lang="en-GB" sz="1400" dirty="0" smtClean="0"/>
+              <a:t>pick up</a:t>
+            </a:r>
+          </a:p>
+          <a:p>
+            <a:pPr lvl="1"/>
+            <a:r>
+              <a:rPr lang="en-GB" sz="1400" dirty="0" smtClean="0"/>
+              <a:t>Make a ray from the camera position and look</a:t>
+            </a:r>
+          </a:p>
+          <a:p>
+            <a:pPr lvl="1"/>
+            <a:r>
+              <a:rPr lang="en-GB" sz="1400" dirty="0" smtClean="0"/>
+              <a:t>Perform a ray cast into the scene</a:t>
+            </a:r>
+            <a:endParaRPr lang="en-GB" sz="1400" dirty="0" smtClean="0"/>
+          </a:p>
+          <a:p>
+            <a:pPr lvl="1"/>
+            <a:r>
+              <a:rPr lang="en-GB" sz="1400" dirty="0" smtClean="0"/>
+              <a:t>If it </a:t>
+            </a:r>
+            <a:r>
+              <a:rPr lang="en-GB" sz="1400" dirty="0" smtClean="0"/>
+              <a:t>intersects something </a:t>
+            </a:r>
+            <a:r>
+              <a:rPr lang="en-GB" sz="1400" dirty="0" smtClean="0"/>
+              <a:t>(check if the picked up object is != null)</a:t>
+            </a:r>
+          </a:p>
+          <a:p>
+            <a:pPr lvl="2"/>
+            <a:r>
+              <a:rPr lang="en-GB" sz="1400" dirty="0" smtClean="0"/>
+              <a:t>Check its not </a:t>
+            </a:r>
+            <a:r>
+              <a:rPr lang="en-GB" sz="1400" dirty="0" smtClean="0"/>
+              <a:t>the world, itself </a:t>
+            </a:r>
+            <a:r>
+              <a:rPr lang="en-GB" sz="1400" dirty="0" smtClean="0"/>
+              <a:t>or the </a:t>
+            </a:r>
+            <a:r>
+              <a:rPr lang="en-GB" sz="1400" dirty="0" smtClean="0"/>
+              <a:t>camera</a:t>
+            </a:r>
+            <a:endParaRPr lang="en-GB" sz="1400" dirty="0" smtClean="0"/>
+          </a:p>
+          <a:p>
+            <a:pPr lvl="2"/>
+            <a:r>
+              <a:rPr lang="en-GB" sz="1400" dirty="0" smtClean="0"/>
+              <a:t>Pick something </a:t>
+            </a:r>
+            <a:r>
+              <a:rPr lang="en-GB" sz="1400" dirty="0" smtClean="0"/>
+              <a:t>up</a:t>
+            </a:r>
+          </a:p>
+          <a:p>
+            <a:pPr lvl="1"/>
+            <a:r>
+              <a:rPr lang="en-GB" sz="1400" dirty="0" smtClean="0"/>
+              <a:t>If something is picked up…</a:t>
+            </a:r>
+            <a:endParaRPr lang="en-GB" sz="1400" dirty="0" smtClean="0"/>
+          </a:p>
+          <a:p>
+            <a:pPr lvl="1"/>
+            <a:r>
+              <a:rPr lang="en-GB" sz="1400" dirty="0" smtClean="0"/>
+              <a:t>Calculate the hold </a:t>
+            </a:r>
+            <a:r>
+              <a:rPr lang="en-GB" sz="1400" dirty="0" err="1" smtClean="0"/>
+              <a:t>pos</a:t>
+            </a:r>
+            <a:r>
+              <a:rPr lang="en-GB" sz="1400" dirty="0" smtClean="0"/>
+              <a:t> (some units in front of the camera)</a:t>
+            </a:r>
+          </a:p>
+          <a:p>
+            <a:pPr lvl="1"/>
+            <a:r>
+              <a:rPr lang="en-GB" sz="1400" dirty="0" smtClean="0"/>
+              <a:t>Calculate velocity</a:t>
+            </a:r>
+          </a:p>
+          <a:p>
+            <a:pPr lvl="2"/>
+            <a:r>
+              <a:rPr lang="en-GB" sz="1400" dirty="0" smtClean="0"/>
+              <a:t>Calculate direction = </a:t>
+            </a:r>
+            <a:r>
+              <a:rPr lang="en-GB" sz="1400" dirty="0" err="1" smtClean="0"/>
+              <a:t>holdPos</a:t>
+            </a:r>
+            <a:r>
+              <a:rPr lang="en-GB" sz="1400" dirty="0" smtClean="0"/>
+              <a:t> – </a:t>
+            </a:r>
+            <a:r>
+              <a:rPr lang="en-GB" sz="1400" dirty="0" err="1" smtClean="0"/>
+              <a:t>pickedUpPos</a:t>
+            </a:r>
+            <a:endParaRPr lang="en-GB" sz="1400" dirty="0" smtClean="0"/>
+          </a:p>
+          <a:p>
+            <a:pPr lvl="2"/>
+            <a:r>
+              <a:rPr lang="en-GB" sz="1400" dirty="0" smtClean="0"/>
+              <a:t>Scale by power factor</a:t>
+            </a:r>
+          </a:p>
+          <a:p>
+            <a:pPr lvl="2"/>
+            <a:r>
+              <a:rPr lang="en-GB" sz="1400" dirty="0" smtClean="0"/>
+              <a:t>Normalise</a:t>
+            </a:r>
+          </a:p>
+          <a:p>
+            <a:pPr lvl="2"/>
+            <a:r>
+              <a:rPr lang="en-GB" sz="1400" dirty="0" smtClean="0"/>
+              <a:t>Scale by max velocity</a:t>
+            </a:r>
+          </a:p>
+          <a:p>
+            <a:pPr lvl="1"/>
+            <a:r>
+              <a:rPr lang="en-GB" sz="1400" dirty="0" smtClean="0"/>
+              <a:t>Set the velocity of the picked up rigid body (which will move it to the hold </a:t>
+            </a:r>
+            <a:r>
+              <a:rPr lang="en-GB" sz="1400" dirty="0" err="1" smtClean="0"/>
+              <a:t>pos</a:t>
+            </a:r>
+            <a:r>
+              <a:rPr lang="en-GB" sz="1400" dirty="0" smtClean="0"/>
+              <a:t>)</a:t>
+            </a:r>
+          </a:p>
+          <a:p>
+            <a:pPr lvl="1"/>
+            <a:r>
+              <a:rPr lang="en-GB" sz="1400" dirty="0" smtClean="0"/>
+              <a:t>If the </a:t>
+            </a:r>
+            <a:r>
+              <a:rPr lang="en-GB" sz="1400" dirty="0" err="1" smtClean="0"/>
+              <a:t>raycast</a:t>
+            </a:r>
+            <a:r>
+              <a:rPr lang="en-GB" sz="1400" dirty="0" smtClean="0"/>
+              <a:t> is unsuccessful</a:t>
+            </a:r>
+          </a:p>
+          <a:p>
+            <a:pPr lvl="2"/>
+            <a:r>
+              <a:rPr lang="en-GB" sz="1400" dirty="0" smtClean="0"/>
+              <a:t>Set the picked up object to be null</a:t>
+            </a:r>
+          </a:p>
+        </p:txBody>
+      </p:sp>
+      <p:pic>
+        <p:nvPicPr>
+          <p:cNvPr id="3074" name="Picture 2" descr="http://cdnl.complex.com/m.php/CHANNEL_IMAGES/VIDEO_GAMES/2013/01/gravity_gun2.jpg"/>
+          <p:cNvPicPr>
+            <a:picLocks noChangeAspect="1" noChangeArrowheads="1"/>
+          </p:cNvPicPr>
+          <p:nvPr/>
+        </p:nvPicPr>
+        <p:blipFill>
+          <a:blip r:embed="rId2">
+            <a:extLst>
+              <a:ext uri="{28A0092B-C50C-407E-A947-70E740481C1C}">
+                <a14:useLocalDpi xmlns:a14="http://schemas.microsoft.com/office/drawing/2010/main" val="0"/>
+              </a:ext>
+            </a:extLst>
+          </a:blip>
+          <a:srcRect/>
+          <a:stretch>
+            <a:fillRect/>
+          </a:stretch>
+        </p:blipFill>
+        <p:spPr bwMode="auto">
+          <a:xfrm>
+            <a:off x="5436096" y="2492896"/>
+            <a:ext cx="3115190" cy="2009800"/>
+          </a:xfrm>
+          <a:prstGeom prst="rect">
+            <a:avLst/>
+          </a:prstGeom>
+          <a:noFill/>
+          <a:extLst>
+            <a:ext uri="{909E8E84-426E-40DD-AFC4-6F175D3DCCD1}">
+              <a14:hiddenFill xmlns:a14="http://schemas.microsoft.com/office/drawing/2010/main">
+                <a:solidFill>
+                  <a:srgbClr val="FFFFFF"/>
+                </a:solidFill>
+              </a14:hiddenFill>
+            </a:ext>
+          </a:extLst>
+        </p:spPr>
+      </p:pic>
+    </p:spTree>
+    <p:extLst>
+      <p:ext uri="{BB962C8B-B14F-4D97-AF65-F5344CB8AC3E}">
+        <p14:creationId xmlns:p14="http://schemas.microsoft.com/office/powerpoint/2010/main" val="4096738985"/>
+      </p:ext>
+    </p:extLst>
+  </p:cSld>
+  <p:clrMapOvr>
+    <a:masterClrMapping/>
+  </p:clrMapOvr>
+</p:sld>
+</file>
+
+<file path=ppt/slides/slide32.xml><?xml version="1.0" encoding="utf-8"?>
+<p:sld xmlns:a="http://schemas.openxmlformats.org/drawingml/2006/main" xmlns:r="http://schemas.openxmlformats.org/officeDocument/2006/relationships" xmlns:p="http://schemas.openxmlformats.org/presentationml/2006/main">
+  <p:cSld>
+    <p:spTree>
+      <p:nvGrpSpPr>
+        <p:cNvPr id="1" name=""/>
+        <p:cNvGrpSpPr/>
+        <p:nvPr/>
+      </p:nvGrpSpPr>
+      <p:grpSpPr>
+        <a:xfrm>
+          <a:off x="0" y="0"/>
+          <a:ext cx="0" cy="0"/>
+          <a:chOff x="0" y="0"/>
+          <a:chExt cx="0" cy="0"/>
+        </a:xfrm>
+      </p:grpSpPr>
+      <p:sp>
+        <p:nvSpPr>
+          <p:cNvPr id="2" name="Title 1"/>
+          <p:cNvSpPr>
+            <a:spLocks noGrp="1"/>
+          </p:cNvSpPr>
+          <p:nvPr>
+            <p:ph type="title"/>
+          </p:nvPr>
+        </p:nvSpPr>
+        <p:spPr/>
+        <p:txBody>
+          <a:bodyPr/>
+          <a:lstStyle/>
+          <a:p>
+            <a:endParaRPr lang="en-IE"/>
+          </a:p>
+        </p:txBody>
+      </p:sp>
+      <p:pic>
+        <p:nvPicPr>
+          <p:cNvPr id="4098" name="Picture 2"/>
+          <p:cNvPicPr>
+            <a:picLocks noChangeAspect="1" noChangeArrowheads="1"/>
+          </p:cNvPicPr>
+          <p:nvPr/>
+        </p:nvPicPr>
+        <p:blipFill>
+          <a:blip r:embed="rId2">
+            <a:extLst>
+              <a:ext uri="{28A0092B-C50C-407E-A947-70E740481C1C}">
+                <a14:useLocalDpi xmlns:a14="http://schemas.microsoft.com/office/drawing/2010/main" val="0"/>
+              </a:ext>
+            </a:extLst>
+          </a:blip>
+          <a:srcRect/>
+          <a:stretch>
+            <a:fillRect/>
+          </a:stretch>
+        </p:blipFill>
+        <p:spPr bwMode="auto">
+          <a:xfrm>
+            <a:off x="0" y="0"/>
+            <a:ext cx="10296525" cy="7172325"/>
+          </a:xfrm>
+          <a:prstGeom prst="rect">
+            <a:avLst/>
+          </a:prstGeom>
+          <a:noFill/>
+          <a:ln>
+            <a:noFill/>
+          </a:ln>
+          <a:extLst>
+            <a:ext uri="{909E8E84-426E-40DD-AFC4-6F175D3DCCD1}">
+              <a14:hiddenFill xmlns:a14="http://schemas.microsoft.com/office/drawing/2010/main">
+                <a:solidFill>
+                  <a:schemeClr val="accent1"/>
+                </a:solidFill>
+              </a14:hiddenFill>
+            </a:ext>
+            <a:ext uri="{91240B29-F687-4F45-9708-019B960494DF}">
+              <a14:hiddenLine xmlns:a14="http://schemas.microsoft.com/office/drawing/2010/main" w="9525">
+                <a:solidFill>
+                  <a:schemeClr val="tx1"/>
+                </a:solidFill>
+                <a:miter lim="800000"/>
+                <a:headEnd/>
+                <a:tailEnd/>
+              </a14:hiddenLine>
+            </a:ext>
+          </a:extLst>
+        </p:spPr>
+      </p:pic>
+    </p:spTree>
+    <p:extLst>
+      <p:ext uri="{BB962C8B-B14F-4D97-AF65-F5344CB8AC3E}">
+        <p14:creationId xmlns:p14="http://schemas.microsoft.com/office/powerpoint/2010/main" val="4034965199"/>
       </p:ext>
     </p:extLst>
   </p:cSld>
@@ -12216,11 +13768,7 @@
           <a:p>
             <a:r>
               <a:rPr lang="en-GB" dirty="0" smtClean="0"/>
-              <a:t>Some of the </a:t>
-            </a:r>
-            <a:r>
-              <a:rPr lang="en-GB" dirty="0" smtClean="0"/>
-              <a:t>major players</a:t>
+              <a:t>Some of the major players</a:t>
             </a:r>
             <a:endParaRPr lang="en-IE" dirty="0"/>
           </a:p>
